--- a/presentations/Bài 4_Cấu trúc câu lệnh điều kiện.pptx
+++ b/presentations/Bài 4_Cấu trúc câu lệnh điều kiện.pptx
@@ -5,7 +5,7 @@
     <p:sldMasterId id="2147483659" r:id="rId1"/>
   </p:sldMasterIdLst>
   <p:notesMasterIdLst>
-    <p:notesMasterId r:id="rId37"/>
+    <p:notesMasterId r:id="rId38"/>
   </p:notesMasterIdLst>
   <p:sldIdLst>
     <p:sldId id="256" r:id="rId2"/>
@@ -43,41 +43,42 @@
     <p:sldId id="357" r:id="rId34"/>
     <p:sldId id="358" r:id="rId35"/>
     <p:sldId id="282" r:id="rId36"/>
+    <p:sldId id="384" r:id="rId37"/>
   </p:sldIdLst>
   <p:sldSz cx="9144000" cy="5143500" type="screen16x9"/>
   <p:notesSz cx="6858000" cy="9144000"/>
   <p:embeddedFontLst>
     <p:embeddedFont>
+      <p:font typeface="Alfa Slab One" panose="020B0604020202020204" charset="0"/>
+      <p:regular r:id="rId39"/>
+    </p:embeddedFont>
+    <p:embeddedFont>
       <p:font typeface="Calibri" panose="020F0502020204030204" pitchFamily="34" charset="0"/>
-      <p:regular r:id="rId38"/>
-      <p:bold r:id="rId39"/>
-      <p:italic r:id="rId40"/>
-      <p:boldItalic r:id="rId41"/>
+      <p:regular r:id="rId40"/>
+      <p:bold r:id="rId41"/>
+      <p:italic r:id="rId42"/>
+      <p:boldItalic r:id="rId43"/>
+    </p:embeddedFont>
+    <p:embeddedFont>
+      <p:font typeface="Consolas" panose="020B0609020204030204" pitchFamily="49" charset="0"/>
+      <p:regular r:id="rId44"/>
+      <p:bold r:id="rId45"/>
+      <p:italic r:id="rId46"/>
+      <p:boldItalic r:id="rId47"/>
+    </p:embeddedFont>
+    <p:embeddedFont>
+      <p:font typeface="Proxima Nova" panose="020B0604020202020204" charset="0"/>
+      <p:regular r:id="rId48"/>
+      <p:bold r:id="rId49"/>
+      <p:italic r:id="rId50"/>
+      <p:boldItalic r:id="rId51"/>
     </p:embeddedFont>
     <p:embeddedFont>
       <p:font typeface="Segoe UI" panose="020B0502040204020203" pitchFamily="34" charset="0"/>
-      <p:regular r:id="rId42"/>
-      <p:bold r:id="rId43"/>
-      <p:italic r:id="rId44"/>
-      <p:boldItalic r:id="rId45"/>
-    </p:embeddedFont>
-    <p:embeddedFont>
-      <p:font typeface="Proxima Nova" panose="020B0604020202020204" charset="0"/>
-      <p:regular r:id="rId46"/>
-      <p:bold r:id="rId47"/>
-      <p:italic r:id="rId48"/>
-      <p:boldItalic r:id="rId49"/>
-    </p:embeddedFont>
-    <p:embeddedFont>
-      <p:font typeface="Consolas" panose="020B0609020204030204" pitchFamily="49" charset="0"/>
-      <p:regular r:id="rId50"/>
-      <p:bold r:id="rId51"/>
-      <p:italic r:id="rId52"/>
-      <p:boldItalic r:id="rId53"/>
-    </p:embeddedFont>
-    <p:embeddedFont>
-      <p:font typeface="Alfa Slab One" panose="020B0604020202020204" charset="0"/>
-      <p:regular r:id="rId54"/>
+      <p:regular r:id="rId52"/>
+      <p:bold r:id="rId53"/>
+      <p:italic r:id="rId54"/>
+      <p:boldItalic r:id="rId55"/>
     </p:embeddedFont>
   </p:embeddedFontLst>
   <p:defaultTextStyle>
@@ -1878,7 +1879,7 @@
           <a:lstStyle/>
           <a:p>
             <a:r>
-              <a:rPr lang="en-US" smtClean="0"/>
+              <a:rPr lang="en-US"/>
               <a:t>Click to edit Master title style</a:t>
             </a:r>
             <a:endParaRPr lang="en-US" dirty="0"/>
@@ -1902,35 +1903,35 @@
           <a:p>
             <a:pPr lvl="0"/>
             <a:r>
-              <a:rPr lang="en-US" smtClean="0"/>
+              <a:rPr lang="en-US"/>
               <a:t>Edit Master text styles</a:t>
             </a:r>
           </a:p>
           <a:p>
             <a:pPr lvl="1"/>
             <a:r>
-              <a:rPr lang="en-US" smtClean="0"/>
+              <a:rPr lang="en-US"/>
               <a:t>Second level</a:t>
             </a:r>
           </a:p>
           <a:p>
             <a:pPr lvl="2"/>
             <a:r>
-              <a:rPr lang="en-US" smtClean="0"/>
+              <a:rPr lang="en-US"/>
               <a:t>Third level</a:t>
             </a:r>
           </a:p>
           <a:p>
             <a:pPr lvl="3"/>
             <a:r>
-              <a:rPr lang="en-US" smtClean="0"/>
+              <a:rPr lang="en-US"/>
               <a:t>Fourth level</a:t>
             </a:r>
           </a:p>
           <a:p>
             <a:pPr lvl="4"/>
             <a:r>
-              <a:rPr lang="en-US" smtClean="0"/>
+              <a:rPr lang="en-US"/>
               <a:t>Fifth level</a:t>
             </a:r>
             <a:endParaRPr lang="en-US" dirty="0"/>
@@ -1978,7 +1979,7 @@
               <a:pPr>
                 <a:defRPr/>
               </a:pPr>
-              <a:t>03/03/2023</a:t>
+              <a:t>4/12/2023</a:t>
             </a:fld>
             <a:endParaRPr lang="en-US">
               <a:solidFill>
@@ -2126,10 +2127,9 @@
           <a:lstStyle/>
           <a:p>
             <a:r>
-              <a:rPr lang="en-US" smtClean="0"/>
+              <a:rPr lang="en-US"/>
               <a:t>Click to edit Master title style</a:t>
             </a:r>
-            <a:endParaRPr lang="en-US"/>
           </a:p>
         </p:txBody>
       </p:sp>
@@ -2155,38 +2155,37 @@
           <a:p>
             <a:pPr lvl="0"/>
             <a:r>
-              <a:rPr lang="en-US" smtClean="0"/>
+              <a:rPr lang="en-US"/>
               <a:t>Click to edit Master text styles</a:t>
             </a:r>
           </a:p>
           <a:p>
             <a:pPr lvl="1"/>
             <a:r>
-              <a:rPr lang="en-US" smtClean="0"/>
+              <a:rPr lang="en-US"/>
               <a:t>Second level</a:t>
             </a:r>
           </a:p>
           <a:p>
             <a:pPr lvl="2"/>
             <a:r>
-              <a:rPr lang="en-US" smtClean="0"/>
+              <a:rPr lang="en-US"/>
               <a:t>Third level</a:t>
             </a:r>
           </a:p>
           <a:p>
             <a:pPr lvl="3"/>
             <a:r>
-              <a:rPr lang="en-US" smtClean="0"/>
+              <a:rPr lang="en-US"/>
               <a:t>Fourth level</a:t>
             </a:r>
           </a:p>
           <a:p>
             <a:pPr lvl="4"/>
             <a:r>
-              <a:rPr lang="en-US" smtClean="0"/>
+              <a:rPr lang="en-US"/>
               <a:t>Fifth level</a:t>
             </a:r>
-            <a:endParaRPr lang="en-US"/>
           </a:p>
         </p:txBody>
       </p:sp>
@@ -2212,38 +2211,37 @@
           <a:p>
             <a:pPr lvl="0"/>
             <a:r>
-              <a:rPr lang="en-US" smtClean="0"/>
+              <a:rPr lang="en-US"/>
               <a:t>Click to edit Master text styles</a:t>
             </a:r>
           </a:p>
           <a:p>
             <a:pPr lvl="1"/>
             <a:r>
-              <a:rPr lang="en-US" smtClean="0"/>
+              <a:rPr lang="en-US"/>
               <a:t>Second level</a:t>
             </a:r>
           </a:p>
           <a:p>
             <a:pPr lvl="2"/>
             <a:r>
-              <a:rPr lang="en-US" smtClean="0"/>
+              <a:rPr lang="en-US"/>
               <a:t>Third level</a:t>
             </a:r>
           </a:p>
           <a:p>
             <a:pPr lvl="3"/>
             <a:r>
-              <a:rPr lang="en-US" smtClean="0"/>
+              <a:rPr lang="en-US"/>
               <a:t>Fourth level</a:t>
             </a:r>
           </a:p>
           <a:p>
             <a:pPr lvl="4"/>
             <a:r>
-              <a:rPr lang="en-US" smtClean="0"/>
+              <a:rPr lang="en-US"/>
               <a:t>Fifth level</a:t>
             </a:r>
-            <a:endParaRPr lang="en-US"/>
           </a:p>
         </p:txBody>
       </p:sp>
@@ -2427,10 +2425,9 @@
           <a:lstStyle/>
           <a:p>
             <a:r>
-              <a:rPr lang="en-US" smtClean="0"/>
+              <a:rPr lang="en-US"/>
               <a:t>Click to edit Master title style</a:t>
             </a:r>
-            <a:endParaRPr lang="en-US"/>
           </a:p>
         </p:txBody>
       </p:sp>
@@ -2456,38 +2453,37 @@
           <a:p>
             <a:pPr lvl="0"/>
             <a:r>
-              <a:rPr lang="en-US" smtClean="0"/>
+              <a:rPr lang="en-US"/>
               <a:t>Click to edit Master text styles</a:t>
             </a:r>
           </a:p>
           <a:p>
             <a:pPr lvl="1"/>
             <a:r>
-              <a:rPr lang="en-US" smtClean="0"/>
+              <a:rPr lang="en-US"/>
               <a:t>Second level</a:t>
             </a:r>
           </a:p>
           <a:p>
             <a:pPr lvl="2"/>
             <a:r>
-              <a:rPr lang="en-US" smtClean="0"/>
+              <a:rPr lang="en-US"/>
               <a:t>Third level</a:t>
             </a:r>
           </a:p>
           <a:p>
             <a:pPr lvl="3"/>
             <a:r>
-              <a:rPr lang="en-US" smtClean="0"/>
+              <a:rPr lang="en-US"/>
               <a:t>Fourth level</a:t>
             </a:r>
           </a:p>
           <a:p>
             <a:pPr lvl="4"/>
             <a:r>
-              <a:rPr lang="en-US" smtClean="0"/>
+              <a:rPr lang="en-US"/>
               <a:t>Fifth level</a:t>
             </a:r>
-            <a:endParaRPr lang="en-US"/>
           </a:p>
         </p:txBody>
       </p:sp>
@@ -2513,38 +2509,37 @@
           <a:p>
             <a:pPr lvl="0"/>
             <a:r>
-              <a:rPr lang="en-US" smtClean="0"/>
+              <a:rPr lang="en-US"/>
               <a:t>Click to edit Master text styles</a:t>
             </a:r>
           </a:p>
           <a:p>
             <a:pPr lvl="1"/>
             <a:r>
-              <a:rPr lang="en-US" smtClean="0"/>
+              <a:rPr lang="en-US"/>
               <a:t>Second level</a:t>
             </a:r>
           </a:p>
           <a:p>
             <a:pPr lvl="2"/>
             <a:r>
-              <a:rPr lang="en-US" smtClean="0"/>
+              <a:rPr lang="en-US"/>
               <a:t>Third level</a:t>
             </a:r>
           </a:p>
           <a:p>
             <a:pPr lvl="3"/>
             <a:r>
-              <a:rPr lang="en-US" smtClean="0"/>
+              <a:rPr lang="en-US"/>
               <a:t>Fourth level</a:t>
             </a:r>
           </a:p>
           <a:p>
             <a:pPr lvl="4"/>
             <a:r>
-              <a:rPr lang="en-US" smtClean="0"/>
+              <a:rPr lang="en-US"/>
               <a:t>Fifth level</a:t>
             </a:r>
-            <a:endParaRPr lang="en-US"/>
           </a:p>
         </p:txBody>
       </p:sp>
@@ -2570,38 +2565,37 @@
           <a:p>
             <a:pPr lvl="0"/>
             <a:r>
-              <a:rPr lang="en-US" smtClean="0"/>
+              <a:rPr lang="en-US"/>
               <a:t>Click to edit Master text styles</a:t>
             </a:r>
           </a:p>
           <a:p>
             <a:pPr lvl="1"/>
             <a:r>
-              <a:rPr lang="en-US" smtClean="0"/>
+              <a:rPr lang="en-US"/>
               <a:t>Second level</a:t>
             </a:r>
           </a:p>
           <a:p>
             <a:pPr lvl="2"/>
             <a:r>
-              <a:rPr lang="en-US" smtClean="0"/>
+              <a:rPr lang="en-US"/>
               <a:t>Third level</a:t>
             </a:r>
           </a:p>
           <a:p>
             <a:pPr lvl="3"/>
             <a:r>
-              <a:rPr lang="en-US" smtClean="0"/>
+              <a:rPr lang="en-US"/>
               <a:t>Fourth level</a:t>
             </a:r>
           </a:p>
           <a:p>
             <a:pPr lvl="4"/>
             <a:r>
-              <a:rPr lang="en-US" smtClean="0"/>
+              <a:rPr lang="en-US"/>
               <a:t>Fifth level</a:t>
             </a:r>
-            <a:endParaRPr lang="en-US"/>
           </a:p>
         </p:txBody>
       </p:sp>
@@ -7365,47 +7359,39 @@
           <a:p>
             <a:pPr lvl="0"/>
             <a:r>
-              <a:rPr lang="en-US" sz="4000" dirty="0" err="1" smtClean="0"/>
+              <a:rPr lang="en-US" sz="4000" dirty="0" err="1"/>
               <a:t>CÁC</a:t>
             </a:r>
             <a:r>
-              <a:rPr lang="en-US" sz="4000" dirty="0" smtClean="0"/>
-              <a:t> </a:t>
-            </a:r>
-            <a:r>
-              <a:rPr lang="en-US" sz="4000" dirty="0" err="1" smtClean="0"/>
+              <a:rPr lang="en-US" sz="4000" dirty="0"/>
+              <a:t> </a:t>
+            </a:r>
+            <a:r>
+              <a:rPr lang="en-US" sz="4000" dirty="0" err="1"/>
               <a:t>CẤU</a:t>
             </a:r>
             <a:r>
-              <a:rPr lang="en-US" sz="4000" dirty="0" smtClean="0"/>
-              <a:t> </a:t>
-            </a:r>
-            <a:r>
-              <a:rPr lang="en-US" sz="4000" dirty="0" err="1" smtClean="0"/>
+              <a:rPr lang="en-US" sz="4000" dirty="0"/>
+              <a:t> </a:t>
+            </a:r>
+            <a:r>
+              <a:rPr lang="en-US" sz="4000" dirty="0" err="1"/>
               <a:t>TRÚC</a:t>
             </a:r>
             <a:r>
-              <a:rPr lang="en-US" sz="4000" dirty="0" smtClean="0"/>
+              <a:rPr lang="en-US" sz="4000" dirty="0"/>
               <a:t> CÂU LỆNH </a:t>
             </a:r>
             <a:r>
-              <a:rPr lang="en-US" sz="4000" dirty="0" err="1" smtClean="0"/>
-              <a:t>ĐI</a:t>
-            </a:r>
-            <a:r>
               <a:rPr lang="en-US" sz="4000" dirty="0" err="1"/>
-              <a:t>Ề</a:t>
-            </a:r>
-            <a:r>
-              <a:rPr lang="en-US" sz="4000" dirty="0" err="1" smtClean="0"/>
-              <a:t>U</a:t>
-            </a:r>
-            <a:r>
-              <a:rPr lang="en-US" sz="4000" dirty="0" smtClean="0"/>
-              <a:t> </a:t>
-            </a:r>
-            <a:r>
-              <a:rPr lang="en-US" sz="4000" dirty="0" err="1" smtClean="0"/>
+              <a:t>ĐIỀU</a:t>
+            </a:r>
+            <a:r>
+              <a:rPr lang="en-US" sz="4000" dirty="0"/>
+              <a:t> </a:t>
+            </a:r>
+            <a:r>
+              <a:rPr lang="en-US" sz="4000" dirty="0" err="1"/>
               <a:t>KIỆN</a:t>
             </a:r>
             <a:endParaRPr lang="en-US" sz="4000" dirty="0"/>
@@ -7448,11 +7434,7 @@
             </a:pPr>
             <a:r>
               <a:rPr lang="en" dirty="0"/>
-              <a:t>Khóa học </a:t>
-            </a:r>
-            <a:r>
-              <a:rPr lang="en" dirty="0" smtClean="0"/>
-              <a:t>Java</a:t>
+              <a:t>Khóa học Java</a:t>
             </a:r>
             <a:endParaRPr dirty="0"/>
           </a:p>
@@ -7496,7 +7478,7 @@
         <p:spPr>
           <a:extLst>
             <a:ext uri="{FAA26D3D-D897-4be2-8F04-BA451C77F1D7}">
-              <ma14:placeholderFlag xmlns:ma14="http://schemas.microsoft.com/office/mac/drawingml/2011/main" xmlns="" val="1"/>
+              <ma14:placeholderFlag xmlns="" xmlns:ma14="http://schemas.microsoft.com/office/mac/drawingml/2011/main" val="1"/>
             </a:ext>
           </a:extLst>
         </p:spPr>
@@ -7517,13 +7499,8 @@
             </a:r>
             <a:r>
               <a:rPr lang="en-US" altLang="en-US" sz="2700" dirty="0"/>
-              <a:t> </a:t>
-            </a:r>
-            <a:r>
-              <a:rPr lang="en-US" altLang="en-US" sz="2700" dirty="0" smtClean="0"/>
-              <a:t>IF </a:t>
-            </a:r>
-            <a:endParaRPr lang="en-US" altLang="en-US" sz="2700" dirty="0"/>
+              <a:t> IF </a:t>
+            </a:r>
           </a:p>
         </p:txBody>
       </p:sp>
@@ -8009,37 +7986,33 @@
           <a:p>
             <a:pPr eaLnBrk="1" hangingPunct="1"/>
             <a:r>
-              <a:rPr lang="en-US" altLang="en-US" sz="1800" b="1" dirty="0" err="1" smtClean="0">
+              <a:rPr lang="en-US" altLang="en-US" sz="1800" b="1" dirty="0" err="1">
                 <a:latin typeface="Times New Roman" panose="02020603050405020304" pitchFamily="18" charset="0"/>
                 <a:cs typeface="Times New Roman" panose="02020603050405020304" pitchFamily="18" charset="0"/>
               </a:rPr>
               <a:t>Ví</a:t>
             </a:r>
             <a:r>
-              <a:rPr lang="en-US" altLang="en-US" sz="1800" b="1" dirty="0" smtClean="0">
+              <a:rPr lang="en-US" altLang="en-US" sz="1800" b="1" dirty="0">
                 <a:latin typeface="Times New Roman" panose="02020603050405020304" pitchFamily="18" charset="0"/>
                 <a:cs typeface="Times New Roman" panose="02020603050405020304" pitchFamily="18" charset="0"/>
               </a:rPr>
               <a:t> </a:t>
             </a:r>
             <a:r>
-              <a:rPr lang="en-US" altLang="en-US" sz="1800" b="1" dirty="0" err="1" smtClean="0">
+              <a:rPr lang="en-US" altLang="en-US" sz="1800" b="1" dirty="0" err="1">
                 <a:latin typeface="Times New Roman" panose="02020603050405020304" pitchFamily="18" charset="0"/>
                 <a:cs typeface="Times New Roman" panose="02020603050405020304" pitchFamily="18" charset="0"/>
               </a:rPr>
               <a:t>dụ</a:t>
             </a:r>
             <a:r>
-              <a:rPr lang="en-US" altLang="en-US" sz="1800" b="1" dirty="0" smtClean="0">
+              <a:rPr lang="en-US" altLang="en-US" sz="1800" b="1" dirty="0">
                 <a:latin typeface="Times New Roman" panose="02020603050405020304" pitchFamily="18" charset="0"/>
                 <a:cs typeface="Times New Roman" panose="02020603050405020304" pitchFamily="18" charset="0"/>
               </a:rPr>
               <a:t>:</a:t>
             </a:r>
-            <a:endParaRPr lang="en-US" altLang="en-US" sz="1800" b="1" dirty="0">
-              <a:latin typeface="Times New Roman" panose="02020603050405020304" pitchFamily="18" charset="0"/>
-              <a:cs typeface="Times New Roman" panose="02020603050405020304" pitchFamily="18" charset="0"/>
-            </a:endParaRPr>
           </a:p>
         </p:txBody>
       </p:sp>
@@ -8086,7 +8059,7 @@
         <p:spPr>
           <a:extLst>
             <a:ext uri="{FAA26D3D-D897-4be2-8F04-BA451C77F1D7}">
-              <ma14:placeholderFlag xmlns:ma14="http://schemas.microsoft.com/office/mac/drawingml/2011/main" xmlns="" val="1"/>
+              <ma14:placeholderFlag xmlns="" xmlns:ma14="http://schemas.microsoft.com/office/mac/drawingml/2011/main" val="1"/>
             </a:ext>
           </a:extLst>
         </p:spPr>
@@ -8107,13 +8080,8 @@
             </a:r>
             <a:r>
               <a:rPr lang="en-US" altLang="en-US" sz="2700" dirty="0"/>
-              <a:t> </a:t>
-            </a:r>
-            <a:r>
-              <a:rPr lang="en-US" altLang="en-US" sz="2700" dirty="0" smtClean="0"/>
-              <a:t>IF-ELSE</a:t>
-            </a:r>
-            <a:endParaRPr lang="en-US" altLang="en-US" sz="2700" dirty="0"/>
+              <a:t> IF-ELSE</a:t>
+            </a:r>
           </a:p>
         </p:txBody>
       </p:sp>
@@ -8931,14 +8899,6 @@
               </a:rPr>
               <a:t>. </a:t>
             </a:r>
-            <a:endParaRPr lang="en-US" sz="1800" dirty="0" smtClean="0">
-              <a:solidFill>
-                <a:srgbClr val="343A40"/>
-              </a:solidFill>
-              <a:latin typeface="Segoe UI" panose="020B0502040204020203" pitchFamily="34" charset="0"/>
-              <a:ea typeface="Times New Roman" panose="02020603050405020304" pitchFamily="18" charset="0"/>
-              <a:cs typeface="Times New Roman" panose="02020603050405020304" pitchFamily="18" charset="0"/>
-            </a:endParaRPr>
           </a:p>
           <a:p>
             <a:pPr algn="just">
@@ -8950,7 +8910,7 @@
               </a:spcAft>
             </a:pPr>
             <a:r>
-              <a:rPr lang="en-US" sz="1600" b="1" dirty="0" err="1" smtClean="0">
+              <a:rPr lang="en-US" sz="1600" b="1" dirty="0" err="1">
                 <a:solidFill>
                   <a:srgbClr val="343A40"/>
                 </a:solidFill>
@@ -8961,7 +8921,7 @@
               <a:t>Tại</a:t>
             </a:r>
             <a:r>
-              <a:rPr lang="en-US" sz="1600" b="1" dirty="0" smtClean="0">
+              <a:rPr lang="en-US" sz="1600" b="1" dirty="0">
                 <a:solidFill>
                   <a:srgbClr val="343A40"/>
                 </a:solidFill>
@@ -9566,13 +9526,6 @@
   <p:clrMapOvr>
     <a:masterClrMapping/>
   </p:clrMapOvr>
-  <p:timing>
-    <p:tnLst>
-      <p:par>
-        <p:cTn id="1" dur="indefinite" restart="never" nodeType="tmRoot"/>
-      </p:par>
-    </p:tnLst>
-  </p:timing>
 </p:sld>
 </file>
 
@@ -9606,7 +9559,7 @@
         <p:spPr>
           <a:extLst>
             <a:ext uri="{FAA26D3D-D897-4be2-8F04-BA451C77F1D7}">
-              <ma14:placeholderFlag xmlns:ma14="http://schemas.microsoft.com/office/mac/drawingml/2011/main" xmlns="" val="1"/>
+              <ma14:placeholderFlag xmlns="" xmlns:ma14="http://schemas.microsoft.com/office/mac/drawingml/2011/main" val="1"/>
             </a:ext>
           </a:extLst>
         </p:spPr>
@@ -9627,13 +9580,8 @@
             </a:r>
             <a:r>
               <a:rPr lang="en-US" altLang="en-US" sz="2700" dirty="0"/>
-              <a:t> </a:t>
-            </a:r>
-            <a:r>
-              <a:rPr lang="en-US" altLang="en-US" sz="2700" dirty="0" smtClean="0"/>
-              <a:t>IF-ELSE</a:t>
-            </a:r>
-            <a:endParaRPr lang="en-US" altLang="en-US" sz="2700" dirty="0"/>
+              <a:t> IF-ELSE</a:t>
+            </a:r>
           </a:p>
         </p:txBody>
       </p:sp>
@@ -10975,20 +10923,9 @@
                 <a:ea typeface="Times New Roman" panose="02020603050405020304" pitchFamily="18" charset="0"/>
                 <a:cs typeface="Times New Roman" panose="02020603050405020304" pitchFamily="18" charset="0"/>
               </a:rPr>
-              <a:t> </a:t>
-            </a:r>
-            <a:r>
-              <a:rPr lang="en-US" sz="1600" dirty="0" smtClean="0">
-                <a:solidFill>
-                  <a:srgbClr val="343A40"/>
-                </a:solidFill>
-                <a:latin typeface="Segoe UI" panose="020B0502040204020203" pitchFamily="34" charset="0"/>
-                <a:ea typeface="Times New Roman" panose="02020603050405020304" pitchFamily="18" charset="0"/>
-                <a:cs typeface="Times New Roman" panose="02020603050405020304" pitchFamily="18" charset="0"/>
-              </a:rPr>
-              <a:t>6</a:t>
-            </a:r>
-            <a:endParaRPr lang="en-US" dirty="0" smtClean="0">
+              <a:t> 6</a:t>
+            </a:r>
+            <a:endParaRPr lang="en-US" dirty="0">
               <a:latin typeface="Calibri" panose="020F0502020204030204" pitchFamily="34" charset="0"/>
               <a:ea typeface="Times New Roman" panose="02020603050405020304" pitchFamily="18" charset="0"/>
               <a:cs typeface="Times New Roman" panose="02020603050405020304" pitchFamily="18" charset="0"/>
@@ -11004,7 +10941,7 @@
               </a:spcAft>
             </a:pPr>
             <a:r>
-              <a:rPr lang="en-US" sz="1600" b="1" dirty="0" err="1" smtClean="0">
+              <a:rPr lang="en-US" sz="1600" b="1" dirty="0" err="1">
                 <a:solidFill>
                   <a:srgbClr val="343A40"/>
                 </a:solidFill>
@@ -11015,17 +10952,6 @@
               <a:t>Bước</a:t>
             </a:r>
             <a:r>
-              <a:rPr lang="en-US" sz="1600" b="1" dirty="0" smtClean="0">
-                <a:solidFill>
-                  <a:srgbClr val="343A40"/>
-                </a:solidFill>
-                <a:latin typeface="Segoe UI" panose="020B0502040204020203" pitchFamily="34" charset="0"/>
-                <a:ea typeface="Times New Roman" panose="02020603050405020304" pitchFamily="18" charset="0"/>
-                <a:cs typeface="Times New Roman" panose="02020603050405020304" pitchFamily="18" charset="0"/>
-              </a:rPr>
-              <a:t> </a:t>
-            </a:r>
-            <a:r>
               <a:rPr lang="en-US" sz="1600" b="1" dirty="0">
                 <a:solidFill>
                   <a:srgbClr val="343A40"/>
@@ -11034,7 +10960,7 @@
                 <a:ea typeface="Times New Roman" panose="02020603050405020304" pitchFamily="18" charset="0"/>
                 <a:cs typeface="Times New Roman" panose="02020603050405020304" pitchFamily="18" charset="0"/>
               </a:rPr>
-              <a:t>5:</a:t>
+              <a:t> 5:</a:t>
             </a:r>
             <a:r>
               <a:rPr lang="en-US" sz="1600" dirty="0">
@@ -12050,11 +11976,7 @@
             </p:cxnSp>
             <p:sp>
               <p:nvSpPr>
-                <p:cNvPr id="19" name="Text Box 13">
-                  <a:extLst>
-                    <a:ext uri="{FF2B5EF4-FFF2-40B4-BE49-F238E27FC236}"/>
-                  </a:extLst>
-                </p:cNvPr>
+                <p:cNvPr id="19" name="Text Box 13"/>
                 <p:cNvSpPr txBox="1">
                   <a:spLocks noChangeArrowheads="1"/>
                 </p:cNvSpPr>
@@ -12560,11 +12482,7 @@
             </p:cxnSp>
             <p:sp>
               <p:nvSpPr>
-                <p:cNvPr id="16" name="Text Box 20">
-                  <a:extLst>
-                    <a:ext uri="{FF2B5EF4-FFF2-40B4-BE49-F238E27FC236}"/>
-                  </a:extLst>
-                </p:cNvPr>
+                <p:cNvPr id="16" name="Text Box 20"/>
                 <p:cNvSpPr txBox="1">
                   <a:spLocks noChangeArrowheads="1"/>
                 </p:cNvSpPr>
@@ -12995,13 +12913,6 @@
   <p:clrMapOvr>
     <a:masterClrMapping/>
   </p:clrMapOvr>
-  <p:timing>
-    <p:tnLst>
-      <p:par>
-        <p:cTn id="1" dur="indefinite" restart="never" nodeType="tmRoot"/>
-      </p:par>
-    </p:tnLst>
-  </p:timing>
 </p:sld>
 </file>
 
@@ -13035,7 +12946,7 @@
         <p:spPr>
           <a:extLst>
             <a:ext uri="{FAA26D3D-D897-4be2-8F04-BA451C77F1D7}">
-              <ma14:placeholderFlag xmlns:ma14="http://schemas.microsoft.com/office/mac/drawingml/2011/main" xmlns="" val="1"/>
+              <ma14:placeholderFlag xmlns="" xmlns:ma14="http://schemas.microsoft.com/office/mac/drawingml/2011/main" val="1"/>
             </a:ext>
           </a:extLst>
         </p:spPr>
@@ -13056,13 +12967,8 @@
             </a:r>
             <a:r>
               <a:rPr lang="en-US" altLang="en-US" sz="2700" dirty="0"/>
-              <a:t> </a:t>
-            </a:r>
-            <a:r>
-              <a:rPr lang="en-US" altLang="en-US" sz="2700" dirty="0" smtClean="0"/>
-              <a:t>IF-ELSE</a:t>
-            </a:r>
-            <a:endParaRPr lang="en-US" altLang="en-US" sz="2700" dirty="0"/>
+              <a:t> IF-ELSE</a:t>
+            </a:r>
           </a:p>
         </p:txBody>
       </p:sp>
@@ -13345,21 +13251,7 @@
                 <a:latin typeface="Times New Roman" panose="02020603050405020304" pitchFamily="18" charset="0"/>
                 <a:cs typeface="Times New Roman" panose="02020603050405020304" pitchFamily="18" charset="0"/>
               </a:rPr>
-              <a:t>{</a:t>
-            </a:r>
-            <a:r>
-              <a:rPr lang="en-US" altLang="en-US" sz="2400" dirty="0">
-                <a:latin typeface="Times New Roman" panose="02020603050405020304" pitchFamily="18" charset="0"/>
-                <a:cs typeface="Times New Roman" panose="02020603050405020304" pitchFamily="18" charset="0"/>
-              </a:rPr>
-              <a:t> </a:t>
-            </a:r>
-            <a:r>
-              <a:rPr lang="en-US" altLang="en-US" sz="2400" dirty="0">
-                <a:latin typeface="Times New Roman" panose="02020603050405020304" pitchFamily="18" charset="0"/>
-                <a:cs typeface="Times New Roman" panose="02020603050405020304" pitchFamily="18" charset="0"/>
-              </a:rPr>
-              <a:t/>
+              <a:t>{ </a:t>
             </a:r>
             <a:br>
               <a:rPr lang="en-US" altLang="en-US" sz="2400" dirty="0">
@@ -13423,13 +13315,6 @@
               </a:rPr>
               <a:t> </a:t>
             </a:r>
-            <a:r>
-              <a:rPr lang="en-US" altLang="en-US" sz="2400" dirty="0">
-                <a:latin typeface="Times New Roman" panose="02020603050405020304" pitchFamily="18" charset="0"/>
-                <a:cs typeface="Times New Roman" panose="02020603050405020304" pitchFamily="18" charset="0"/>
-              </a:rPr>
-              <a:t/>
-            </a:r>
             <a:br>
               <a:rPr lang="en-US" altLang="en-US" sz="2400" dirty="0">
                 <a:latin typeface="Times New Roman" panose="02020603050405020304" pitchFamily="18" charset="0"/>
@@ -13453,13 +13338,6 @@
               </a:rPr>
               <a:t> </a:t>
             </a:r>
-            <a:endParaRPr lang="en-US" altLang="en-US" sz="2400" b="1" dirty="0">
-              <a:solidFill>
-                <a:srgbClr val="0000FF"/>
-              </a:solidFill>
-              <a:latin typeface="Times New Roman" panose="02020603050405020304" pitchFamily="18" charset="0"/>
-              <a:cs typeface="Times New Roman" panose="02020603050405020304" pitchFamily="18" charset="0"/>
-            </a:endParaRPr>
           </a:p>
           <a:p>
             <a:pPr eaLnBrk="1" hangingPunct="1">
@@ -13477,17 +13355,7 @@
                 <a:latin typeface="Times New Roman" panose="02020603050405020304" pitchFamily="18" charset="0"/>
                 <a:cs typeface="Times New Roman" panose="02020603050405020304" pitchFamily="18" charset="0"/>
               </a:rPr>
-              <a:t>e</a:t>
-            </a:r>
-            <a:r>
-              <a:rPr lang="en-US" altLang="en-US" sz="2400" b="1" dirty="0">
-                <a:solidFill>
-                  <a:srgbClr val="0000FF"/>
-                </a:solidFill>
-                <a:latin typeface="Times New Roman" panose="02020603050405020304" pitchFamily="18" charset="0"/>
-                <a:cs typeface="Times New Roman" panose="02020603050405020304" pitchFamily="18" charset="0"/>
-              </a:rPr>
-              <a:t>lse </a:t>
+              <a:t>else </a:t>
             </a:r>
           </a:p>
           <a:p>
@@ -13543,27 +13411,20 @@
                 <a:latin typeface="Times New Roman" panose="02020603050405020304" pitchFamily="18" charset="0"/>
                 <a:cs typeface="Times New Roman" panose="02020603050405020304" pitchFamily="18" charset="0"/>
               </a:rPr>
-              <a:t> </a:t>
+              <a:t> lệnh </a:t>
+            </a:r>
+            <a:r>
+              <a:rPr lang="en-US" altLang="en-US" sz="2400" i="1" dirty="0" err="1">
+                <a:latin typeface="Times New Roman" panose="02020603050405020304" pitchFamily="18" charset="0"/>
+                <a:cs typeface="Times New Roman" panose="02020603050405020304" pitchFamily="18" charset="0"/>
+              </a:rPr>
+              <a:t>nhóm</a:t>
             </a:r>
             <a:r>
               <a:rPr lang="en-US" altLang="en-US" sz="2400" i="1" dirty="0">
                 <a:latin typeface="Times New Roman" panose="02020603050405020304" pitchFamily="18" charset="0"/>
                 <a:cs typeface="Times New Roman" panose="02020603050405020304" pitchFamily="18" charset="0"/>
               </a:rPr>
-              <a:t>lệnh </a:t>
-            </a:r>
-            <a:r>
-              <a:rPr lang="en-US" altLang="en-US" sz="2400" i="1" dirty="0" err="1">
-                <a:latin typeface="Times New Roman" panose="02020603050405020304" pitchFamily="18" charset="0"/>
-                <a:cs typeface="Times New Roman" panose="02020603050405020304" pitchFamily="18" charset="0"/>
-              </a:rPr>
-              <a:t>nhóm</a:t>
-            </a:r>
-            <a:r>
-              <a:rPr lang="en-US" altLang="en-US" sz="2400" i="1" dirty="0">
-                <a:latin typeface="Times New Roman" panose="02020603050405020304" pitchFamily="18" charset="0"/>
-                <a:cs typeface="Times New Roman" panose="02020603050405020304" pitchFamily="18" charset="0"/>
-              </a:rPr>
               <a:t> 2;</a:t>
             </a:r>
             <a:r>
@@ -13572,13 +13433,6 @@
                 <a:cs typeface="Times New Roman" panose="02020603050405020304" pitchFamily="18" charset="0"/>
               </a:rPr>
               <a:t> </a:t>
-            </a:r>
-            <a:r>
-              <a:rPr lang="en-US" altLang="en-US" sz="2400" dirty="0">
-                <a:latin typeface="Times New Roman" panose="02020603050405020304" pitchFamily="18" charset="0"/>
-                <a:cs typeface="Times New Roman" panose="02020603050405020304" pitchFamily="18" charset="0"/>
-              </a:rPr>
-              <a:t/>
             </a:r>
             <a:br>
               <a:rPr lang="en-US" altLang="en-US" sz="2400" dirty="0">
@@ -13666,13 +13520,6 @@
   <p:clrMapOvr>
     <a:masterClrMapping/>
   </p:clrMapOvr>
-  <p:timing>
-    <p:tnLst>
-      <p:par>
-        <p:cTn id="1" dur="indefinite" restart="never" nodeType="tmRoot"/>
-      </p:par>
-    </p:tnLst>
-  </p:timing>
 </p:sld>
 </file>
 
@@ -13706,7 +13553,7 @@
         <p:spPr>
           <a:extLst>
             <a:ext uri="{FAA26D3D-D897-4be2-8F04-BA451C77F1D7}">
-              <ma14:placeholderFlag xmlns:ma14="http://schemas.microsoft.com/office/mac/drawingml/2011/main" xmlns="" val="1"/>
+              <ma14:placeholderFlag xmlns="" xmlns:ma14="http://schemas.microsoft.com/office/mac/drawingml/2011/main" val="1"/>
             </a:ext>
           </a:extLst>
         </p:spPr>
@@ -13727,13 +13574,8 @@
             </a:r>
             <a:r>
               <a:rPr lang="en-US" altLang="en-US" sz="2700" dirty="0"/>
-              <a:t> </a:t>
-            </a:r>
-            <a:r>
-              <a:rPr lang="en-US" altLang="en-US" sz="2700" dirty="0" smtClean="0"/>
-              <a:t>IF-ELSE</a:t>
-            </a:r>
-            <a:endParaRPr lang="en-US" altLang="en-US" sz="2700" dirty="0"/>
+              <a:t> IF-ELSE</a:t>
+            </a:r>
           </a:p>
         </p:txBody>
       </p:sp>
@@ -13813,7 +13655,7 @@
               <a:tabLst/>
             </a:pPr>
             <a:r>
-              <a:rPr kumimoji="0" lang="en-US" sz="2000" b="1" i="0" u="none" strike="noStrike" cap="none" normalizeH="0" baseline="0" dirty="0" err="1" smtClean="0">
+              <a:rPr kumimoji="0" lang="en-US" sz="2000" b="1" i="0" u="none" strike="noStrike" cap="none" normalizeH="0" baseline="0" dirty="0" err="1">
                 <a:ln>
                   <a:noFill/>
                 </a:ln>
@@ -13828,7 +13670,7 @@
               <a:t>Chú</a:t>
             </a:r>
             <a:r>
-              <a:rPr kumimoji="0" lang="en-US" sz="2000" b="1" i="0" u="none" strike="noStrike" cap="none" normalizeH="0" dirty="0" smtClean="0">
+              <a:rPr kumimoji="0" lang="en-US" sz="2000" b="1" i="0" u="none" strike="noStrike" cap="none" normalizeH="0" dirty="0">
                 <a:ln>
                   <a:noFill/>
                 </a:ln>
@@ -13842,7 +13684,7 @@
               </a:rPr>
               <a:t> ý:</a:t>
             </a:r>
-            <a:endParaRPr kumimoji="0" lang="en-US" sz="2000" b="1" i="0" u="none" strike="noStrike" cap="none" normalizeH="0" baseline="0" dirty="0" smtClean="0">
+            <a:endParaRPr kumimoji="0" lang="en-US" sz="2000" b="1" i="0" u="none" strike="noStrike" cap="none" normalizeH="0" baseline="0" dirty="0">
               <a:ln>
                 <a:noFill/>
               </a:ln>
@@ -13873,7 +13715,7 @@
               <a:tabLst/>
             </a:pPr>
             <a:r>
-              <a:rPr kumimoji="0" lang="en-US" sz="2000" b="0" i="0" u="none" strike="noStrike" cap="none" normalizeH="0" baseline="0" dirty="0" smtClean="0">
+              <a:rPr kumimoji="0" lang="en-US" sz="2000" b="0" i="0" u="none" strike="noStrike" cap="none" normalizeH="0" baseline="0" dirty="0">
                 <a:ln>
                   <a:noFill/>
                 </a:ln>
@@ -13888,7 +13730,7 @@
               <a:t>- </a:t>
             </a:r>
             <a:r>
-              <a:rPr kumimoji="0" lang="en-US" sz="2000" b="0" i="0" u="none" strike="noStrike" cap="none" normalizeH="0" baseline="0" dirty="0" err="1" smtClean="0">
+              <a:rPr kumimoji="0" lang="en-US" sz="2000" b="0" i="0" u="none" strike="noStrike" cap="none" normalizeH="0" baseline="0" dirty="0" err="1">
                 <a:ln>
                   <a:noFill/>
                 </a:ln>
@@ -13903,7 +13745,7 @@
               <a:t>Viết</a:t>
             </a:r>
             <a:r>
-              <a:rPr kumimoji="0" lang="en-US" sz="2000" b="0" i="0" u="none" strike="noStrike" cap="none" normalizeH="0" baseline="0" dirty="0" smtClean="0">
+              <a:rPr kumimoji="0" lang="en-US" sz="2000" b="0" i="0" u="none" strike="noStrike" cap="none" normalizeH="0" baseline="0" dirty="0">
                 <a:ln>
                   <a:noFill/>
                 </a:ln>
@@ -13918,7 +13760,7 @@
               <a:t> </a:t>
             </a:r>
             <a:r>
-              <a:rPr kumimoji="0" lang="en-US" sz="2000" b="0" i="0" u="none" strike="noStrike" cap="none" normalizeH="0" baseline="0" dirty="0" err="1" smtClean="0">
+              <a:rPr kumimoji="0" lang="en-US" sz="2000" b="0" i="0" u="none" strike="noStrike" cap="none" normalizeH="0" baseline="0" dirty="0" err="1">
                 <a:ln>
                   <a:noFill/>
                 </a:ln>
@@ -13933,7 +13775,7 @@
               <a:t>biểu</a:t>
             </a:r>
             <a:r>
-              <a:rPr kumimoji="0" lang="en-US" sz="2000" b="0" i="0" u="none" strike="noStrike" cap="none" normalizeH="0" baseline="0" dirty="0" smtClean="0">
+              <a:rPr kumimoji="0" lang="en-US" sz="2000" b="0" i="0" u="none" strike="noStrike" cap="none" normalizeH="0" baseline="0" dirty="0">
                 <a:ln>
                   <a:noFill/>
                 </a:ln>
@@ -13948,7 +13790,7 @@
               <a:t> </a:t>
             </a:r>
             <a:r>
-              <a:rPr kumimoji="0" lang="en-US" sz="2000" b="0" i="0" u="none" strike="noStrike" cap="none" normalizeH="0" baseline="0" dirty="0" err="1" smtClean="0">
+              <a:rPr kumimoji="0" lang="en-US" sz="2000" b="0" i="0" u="none" strike="noStrike" cap="none" normalizeH="0" baseline="0" dirty="0" err="1">
                 <a:ln>
                   <a:noFill/>
                 </a:ln>
@@ -13963,7 +13805,7 @@
               <a:t>thức</a:t>
             </a:r>
             <a:r>
-              <a:rPr kumimoji="0" lang="en-US" sz="2000" b="0" i="0" u="none" strike="noStrike" cap="none" normalizeH="0" baseline="0" dirty="0" smtClean="0">
+              <a:rPr kumimoji="0" lang="en-US" sz="2000" b="0" i="0" u="none" strike="noStrike" cap="none" normalizeH="0" baseline="0" dirty="0">
                 <a:ln>
                   <a:noFill/>
                 </a:ln>
@@ -13978,7 +13820,7 @@
               <a:t> </a:t>
             </a:r>
             <a:r>
-              <a:rPr kumimoji="0" lang="en-US" sz="2000" b="0" i="0" u="none" strike="noStrike" cap="none" normalizeH="0" baseline="0" dirty="0" err="1" smtClean="0">
+              <a:rPr kumimoji="0" lang="en-US" sz="2000" b="0" i="0" u="none" strike="noStrike" cap="none" normalizeH="0" baseline="0" dirty="0" err="1">
                 <a:ln>
                   <a:noFill/>
                 </a:ln>
@@ -13993,7 +13835,7 @@
               <a:t>điều</a:t>
             </a:r>
             <a:r>
-              <a:rPr kumimoji="0" lang="en-US" sz="2000" b="0" i="0" u="none" strike="noStrike" cap="none" normalizeH="0" baseline="0" dirty="0" smtClean="0">
+              <a:rPr kumimoji="0" lang="en-US" sz="2000" b="0" i="0" u="none" strike="noStrike" cap="none" normalizeH="0" baseline="0" dirty="0">
                 <a:ln>
                   <a:noFill/>
                 </a:ln>
@@ -14008,7 +13850,7 @@
               <a:t> </a:t>
             </a:r>
             <a:r>
-              <a:rPr kumimoji="0" lang="en-US" sz="2000" b="0" i="0" u="none" strike="noStrike" cap="none" normalizeH="0" baseline="0" dirty="0" err="1" smtClean="0">
+              <a:rPr kumimoji="0" lang="en-US" sz="2000" b="0" i="0" u="none" strike="noStrike" cap="none" normalizeH="0" baseline="0" dirty="0" err="1">
                 <a:ln>
                   <a:noFill/>
                 </a:ln>
@@ -14023,7 +13865,7 @@
               <a:t>kiện</a:t>
             </a:r>
             <a:r>
-              <a:rPr kumimoji="0" lang="en-US" sz="2000" b="0" i="0" u="none" strike="noStrike" cap="none" normalizeH="0" baseline="0" dirty="0" smtClean="0">
+              <a:rPr kumimoji="0" lang="en-US" sz="2000" b="0" i="0" u="none" strike="noStrike" cap="none" normalizeH="0" baseline="0" dirty="0">
                 <a:ln>
                   <a:noFill/>
                 </a:ln>
@@ -14038,7 +13880,7 @@
               <a:t> </a:t>
             </a:r>
             <a:r>
-              <a:rPr kumimoji="0" lang="en-US" sz="2000" b="0" i="0" u="none" strike="noStrike" cap="none" normalizeH="0" baseline="0" dirty="0" err="1" smtClean="0">
+              <a:rPr kumimoji="0" lang="en-US" sz="2000" b="0" i="0" u="none" strike="noStrike" cap="none" normalizeH="0" baseline="0" dirty="0" err="1">
                 <a:ln>
                   <a:noFill/>
                 </a:ln>
@@ -14053,7 +13895,7 @@
               <a:t>sau</a:t>
             </a:r>
             <a:r>
-              <a:rPr kumimoji="0" lang="en-US" sz="2000" b="0" i="0" u="none" strike="noStrike" cap="none" normalizeH="0" baseline="0" dirty="0" smtClean="0">
+              <a:rPr kumimoji="0" lang="en-US" sz="2000" b="0" i="0" u="none" strike="noStrike" cap="none" normalizeH="0" baseline="0" dirty="0">
                 <a:ln>
                   <a:noFill/>
                 </a:ln>
@@ -14067,7 +13909,7 @@
               </a:rPr>
               <a:t> ELSE</a:t>
             </a:r>
-            <a:endParaRPr kumimoji="0" lang="en-US" sz="2000" b="0" i="0" u="none" strike="noStrike" cap="none" normalizeH="0" baseline="0" dirty="0" smtClean="0">
+            <a:endParaRPr kumimoji="0" lang="en-US" sz="2000" b="0" i="0" u="none" strike="noStrike" cap="none" normalizeH="0" baseline="0" dirty="0">
               <a:ln>
                 <a:noFill/>
               </a:ln>
@@ -14097,7 +13939,7 @@
               <a:tabLst/>
             </a:pPr>
             <a:r>
-              <a:rPr kumimoji="0" lang="en-US" sz="2000" b="0" i="0" u="none" strike="noStrike" cap="none" normalizeH="0" baseline="0" dirty="0" smtClean="0">
+              <a:rPr kumimoji="0" lang="en-US" sz="2000" b="0" i="0" u="none" strike="noStrike" cap="none" normalizeH="0" baseline="0" dirty="0">
                 <a:ln>
                   <a:noFill/>
                 </a:ln>
@@ -14112,7 +13954,7 @@
               <a:t>- </a:t>
             </a:r>
             <a:r>
-              <a:rPr kumimoji="0" lang="en-US" sz="2000" b="0" i="0" u="none" strike="noStrike" cap="none" normalizeH="0" baseline="0" dirty="0" err="1" smtClean="0">
+              <a:rPr kumimoji="0" lang="en-US" sz="2000" b="0" i="0" u="none" strike="noStrike" cap="none" normalizeH="0" baseline="0" dirty="0" err="1">
                 <a:ln>
                   <a:noFill/>
                 </a:ln>
@@ -14127,7 +13969,7 @@
               <a:t>Dùng</a:t>
             </a:r>
             <a:r>
-              <a:rPr kumimoji="0" lang="en-US" sz="2000" b="0" i="0" u="none" strike="noStrike" cap="none" normalizeH="0" baseline="0" dirty="0" smtClean="0">
+              <a:rPr kumimoji="0" lang="en-US" sz="2000" b="0" i="0" u="none" strike="noStrike" cap="none" normalizeH="0" baseline="0" dirty="0">
                 <a:ln>
                   <a:noFill/>
                 </a:ln>
@@ -14142,7 +13984,7 @@
               <a:t> </a:t>
             </a:r>
             <a:r>
-              <a:rPr kumimoji="0" lang="en-US" sz="2000" b="0" i="0" u="none" strike="noStrike" cap="none" normalizeH="0" baseline="0" dirty="0" err="1" smtClean="0">
+              <a:rPr kumimoji="0" lang="en-US" sz="2000" b="0" i="0" u="none" strike="noStrike" cap="none" normalizeH="0" baseline="0" dirty="0" err="1">
                 <a:ln>
                   <a:noFill/>
                 </a:ln>
@@ -14157,7 +13999,7 @@
               <a:t>dấu</a:t>
             </a:r>
             <a:r>
-              <a:rPr kumimoji="0" lang="en-US" sz="2000" b="0" i="0" u="none" strike="noStrike" cap="none" normalizeH="0" baseline="0" dirty="0" smtClean="0">
+              <a:rPr kumimoji="0" lang="en-US" sz="2000" b="0" i="0" u="none" strike="noStrike" cap="none" normalizeH="0" baseline="0" dirty="0">
                 <a:ln>
                   <a:noFill/>
                 </a:ln>
@@ -14172,7 +14014,7 @@
               <a:t> </a:t>
             </a:r>
             <a:r>
-              <a:rPr kumimoji="0" lang="en-US" sz="2000" b="0" i="0" u="none" strike="noStrike" cap="none" normalizeH="0" baseline="0" dirty="0" err="1" smtClean="0">
+              <a:rPr kumimoji="0" lang="en-US" sz="2000" b="0" i="0" u="none" strike="noStrike" cap="none" normalizeH="0" baseline="0" dirty="0" err="1">
                 <a:ln>
                   <a:noFill/>
                 </a:ln>
@@ -14187,7 +14029,7 @@
               <a:t>chấm</a:t>
             </a:r>
             <a:r>
-              <a:rPr kumimoji="0" lang="en-US" sz="2000" b="0" i="0" u="none" strike="noStrike" cap="none" normalizeH="0" baseline="0" dirty="0" smtClean="0">
+              <a:rPr kumimoji="0" lang="en-US" sz="2000" b="0" i="0" u="none" strike="noStrike" cap="none" normalizeH="0" baseline="0" dirty="0">
                 <a:ln>
                   <a:noFill/>
                 </a:ln>
@@ -14202,7 +14044,7 @@
               <a:t> </a:t>
             </a:r>
             <a:r>
-              <a:rPr kumimoji="0" lang="en-US" sz="2000" b="0" i="0" u="none" strike="noStrike" cap="none" normalizeH="0" baseline="0" dirty="0" err="1" smtClean="0">
+              <a:rPr kumimoji="0" lang="en-US" sz="2000" b="0" i="0" u="none" strike="noStrike" cap="none" normalizeH="0" baseline="0" dirty="0" err="1">
                 <a:ln>
                   <a:noFill/>
                 </a:ln>
@@ -14217,7 +14059,7 @@
               <a:t>phẩy</a:t>
             </a:r>
             <a:r>
-              <a:rPr kumimoji="0" lang="en-US" sz="2000" b="0" i="0" u="none" strike="noStrike" cap="none" normalizeH="0" baseline="0" dirty="0" smtClean="0">
+              <a:rPr kumimoji="0" lang="en-US" sz="2000" b="0" i="0" u="none" strike="noStrike" cap="none" normalizeH="0" baseline="0" dirty="0">
                 <a:ln>
                   <a:noFill/>
                 </a:ln>
@@ -14232,7 +14074,7 @@
               <a:t> </a:t>
             </a:r>
             <a:r>
-              <a:rPr kumimoji="0" lang="en-US" sz="2000" b="0" i="0" u="none" strike="noStrike" cap="none" normalizeH="0" baseline="0" dirty="0" err="1" smtClean="0">
+              <a:rPr kumimoji="0" lang="en-US" sz="2000" b="0" i="0" u="none" strike="noStrike" cap="none" normalizeH="0" baseline="0" dirty="0" err="1">
                 <a:ln>
                   <a:noFill/>
                 </a:ln>
@@ -14247,7 +14089,7 @@
               <a:t>sau</a:t>
             </a:r>
             <a:r>
-              <a:rPr kumimoji="0" lang="en-US" sz="2000" b="0" i="0" u="none" strike="noStrike" cap="none" normalizeH="0" baseline="0" dirty="0" smtClean="0">
+              <a:rPr kumimoji="0" lang="en-US" sz="2000" b="0" i="0" u="none" strike="noStrike" cap="none" normalizeH="0" baseline="0" dirty="0">
                 <a:ln>
                   <a:noFill/>
                 </a:ln>
@@ -14262,7 +14104,7 @@
               <a:t> </a:t>
             </a:r>
             <a:r>
-              <a:rPr kumimoji="0" lang="en-US" sz="2000" b="0" i="0" u="none" strike="noStrike" cap="none" normalizeH="0" baseline="0" dirty="0" err="1" smtClean="0">
+              <a:rPr kumimoji="0" lang="en-US" sz="2000" b="0" i="0" u="none" strike="noStrike" cap="none" normalizeH="0" baseline="0" dirty="0" err="1">
                 <a:ln>
                   <a:noFill/>
                 </a:ln>
@@ -14277,7 +14119,7 @@
               <a:t>câu</a:t>
             </a:r>
             <a:r>
-              <a:rPr kumimoji="0" lang="en-US" sz="2000" b="0" i="0" u="none" strike="noStrike" cap="none" normalizeH="0" baseline="0" dirty="0" smtClean="0">
+              <a:rPr kumimoji="0" lang="en-US" sz="2000" b="0" i="0" u="none" strike="noStrike" cap="none" normalizeH="0" baseline="0" dirty="0">
                 <a:ln>
                   <a:noFill/>
                 </a:ln>
@@ -14291,7 +14133,7 @@
               </a:rPr>
               <a:t> lệnh IF</a:t>
             </a:r>
-            <a:endParaRPr kumimoji="0" lang="en-US" sz="2000" b="0" i="0" u="none" strike="noStrike" cap="none" normalizeH="0" baseline="0" dirty="0" smtClean="0">
+            <a:endParaRPr kumimoji="0" lang="en-US" sz="2000" b="0" i="0" u="none" strike="noStrike" cap="none" normalizeH="0" baseline="0" dirty="0">
               <a:ln>
                 <a:noFill/>
               </a:ln>
@@ -14322,7 +14164,7 @@
               <a:tabLst/>
             </a:pPr>
             <a:r>
-              <a:rPr kumimoji="0" lang="en-US" sz="2000" b="0" i="0" u="none" strike="noStrike" cap="none" normalizeH="0" baseline="0" dirty="0" err="1" smtClean="0">
+              <a:rPr kumimoji="0" lang="en-US" sz="2000" b="0" i="0" u="none" strike="noStrike" cap="none" normalizeH="0" baseline="0" dirty="0" err="1">
                 <a:ln>
                   <a:noFill/>
                 </a:ln>
@@ -14337,7 +14179,7 @@
               <a:t>int</a:t>
             </a:r>
             <a:r>
-              <a:rPr kumimoji="0" lang="en-US" sz="2000" b="0" i="0" u="none" strike="noStrike" cap="none" normalizeH="0" baseline="0" dirty="0" smtClean="0">
+              <a:rPr kumimoji="0" lang="en-US" sz="2000" b="0" i="0" u="none" strike="noStrike" cap="none" normalizeH="0" baseline="0" dirty="0">
                 <a:ln>
                   <a:noFill/>
                 </a:ln>
@@ -14352,7 +14194,7 @@
               <a:t> x = </a:t>
             </a:r>
             <a:r>
-              <a:rPr kumimoji="0" lang="en-US" sz="2000" b="0" i="0" u="none" strike="noStrike" cap="none" normalizeH="0" baseline="0" dirty="0" err="1" smtClean="0">
+              <a:rPr kumimoji="0" lang="en-US" sz="2000" b="0" i="0" u="none" strike="noStrike" cap="none" normalizeH="0" baseline="0" dirty="0" err="1">
                 <a:ln>
                   <a:noFill/>
                 </a:ln>
@@ -14367,7 +14209,7 @@
               <a:t>5;if</a:t>
             </a:r>
             <a:r>
-              <a:rPr kumimoji="0" lang="en-US" sz="2000" b="0" i="0" u="none" strike="noStrike" cap="none" normalizeH="0" baseline="0" dirty="0" smtClean="0">
+              <a:rPr kumimoji="0" lang="en-US" sz="2000" b="0" i="0" u="none" strike="noStrike" cap="none" normalizeH="0" baseline="0" dirty="0">
                 <a:ln>
                   <a:noFill/>
                 </a:ln>
@@ -14411,7 +14253,7 @@
               <a:t>{</a:t>
             </a:r>
             <a:r>
-              <a:rPr kumimoji="0" lang="en-US" sz="2000" b="0" i="0" u="none" strike="noStrike" cap="none" normalizeH="0" baseline="0" dirty="0" smtClean="0">
+              <a:rPr kumimoji="0" lang="en-US" sz="2000" b="0" i="0" u="none" strike="noStrike" cap="none" normalizeH="0" baseline="0" dirty="0">
                 <a:ln>
                   <a:noFill/>
                 </a:ln>
@@ -14444,7 +14286,7 @@
               <a:tabLst/>
             </a:pPr>
             <a:r>
-              <a:rPr kumimoji="0" lang="en-US" sz="2000" b="0" i="0" u="none" strike="noStrike" cap="none" normalizeH="0" baseline="0" dirty="0" smtClean="0">
+              <a:rPr kumimoji="0" lang="en-US" sz="2000" b="0" i="0" u="none" strike="noStrike" cap="none" normalizeH="0" baseline="0" dirty="0">
                 <a:ln>
                   <a:noFill/>
                 </a:ln>
@@ -14459,7 +14301,7 @@
               <a:t>  </a:t>
             </a:r>
             <a:r>
-              <a:rPr kumimoji="0" lang="en-US" sz="2000" b="0" i="0" u="none" strike="noStrike" cap="none" normalizeH="0" baseline="0" dirty="0" err="1" smtClean="0">
+              <a:rPr kumimoji="0" lang="en-US" sz="2000" b="0" i="0" u="none" strike="noStrike" cap="none" normalizeH="0" baseline="0" dirty="0" err="1">
                 <a:ln>
                   <a:noFill/>
                 </a:ln>
@@ -14474,7 +14316,7 @@
               <a:t>System.out.print</a:t>
             </a:r>
             <a:r>
-              <a:rPr kumimoji="0" lang="en-US" sz="2000" b="0" i="0" u="none" strike="noStrike" cap="none" normalizeH="0" baseline="0" dirty="0" smtClean="0">
+              <a:rPr kumimoji="0" lang="en-US" sz="2000" b="0" i="0" u="none" strike="noStrike" cap="none" normalizeH="0" baseline="0" dirty="0">
                 <a:ln>
                   <a:noFill/>
                 </a:ln>
@@ -14507,7 +14349,7 @@
               <a:tabLst/>
             </a:pPr>
             <a:r>
-              <a:rPr kumimoji="0" lang="en-US" sz="2000" b="0" i="0" u="none" strike="noStrike" cap="none" normalizeH="0" baseline="0" dirty="0" smtClean="0">
+              <a:rPr kumimoji="0" lang="en-US" sz="2000" b="0" i="0" u="none" strike="noStrike" cap="none" normalizeH="0" baseline="0" dirty="0">
                 <a:ln>
                   <a:noFill/>
                 </a:ln>
@@ -14540,7 +14382,7 @@
               <a:tabLst/>
             </a:pPr>
             <a:r>
-              <a:rPr kumimoji="0" lang="en-US" sz="2000" b="0" i="0" u="none" strike="noStrike" cap="none" normalizeH="0" baseline="0" dirty="0" smtClean="0">
+              <a:rPr kumimoji="0" lang="en-US" sz="2000" b="0" i="0" u="none" strike="noStrike" cap="none" normalizeH="0" baseline="0" dirty="0">
                 <a:ln>
                   <a:noFill/>
                 </a:ln>
@@ -14573,7 +14415,7 @@
               <a:tabLst/>
             </a:pPr>
             <a:r>
-              <a:rPr kumimoji="0" lang="en-US" sz="2000" b="0" i="0" u="none" strike="noStrike" cap="none" normalizeH="0" baseline="0" dirty="0" smtClean="0">
+              <a:rPr kumimoji="0" lang="en-US" sz="2000" b="0" i="0" u="none" strike="noStrike" cap="none" normalizeH="0" baseline="0" dirty="0">
                 <a:ln>
                   <a:noFill/>
                 </a:ln>
@@ -14606,7 +14448,7 @@
               <a:tabLst/>
             </a:pPr>
             <a:r>
-              <a:rPr kumimoji="0" lang="en-US" sz="2000" b="0" i="0" u="none" strike="noStrike" cap="none" normalizeH="0" baseline="0" dirty="0" smtClean="0">
+              <a:rPr kumimoji="0" lang="en-US" sz="2000" b="0" i="0" u="none" strike="noStrike" cap="none" normalizeH="0" baseline="0" dirty="0">
                 <a:ln>
                   <a:noFill/>
                 </a:ln>
@@ -14621,7 +14463,7 @@
               <a:t> </a:t>
             </a:r>
             <a:r>
-              <a:rPr kumimoji="0" lang="en-US" sz="2000" b="0" i="0" u="none" strike="noStrike" cap="none" normalizeH="0" baseline="0" dirty="0" err="1" smtClean="0">
+              <a:rPr kumimoji="0" lang="en-US" sz="2000" b="0" i="0" u="none" strike="noStrike" cap="none" normalizeH="0" baseline="0" dirty="0" err="1">
                 <a:ln>
                   <a:noFill/>
                 </a:ln>
@@ -14636,7 +14478,7 @@
               <a:t>System.out.print</a:t>
             </a:r>
             <a:r>
-              <a:rPr kumimoji="0" lang="en-US" sz="2000" b="0" i="0" u="none" strike="noStrike" cap="none" normalizeH="0" baseline="0" dirty="0" smtClean="0">
+              <a:rPr kumimoji="0" lang="en-US" sz="2000" b="0" i="0" u="none" strike="noStrike" cap="none" normalizeH="0" baseline="0" dirty="0">
                 <a:ln>
                   <a:noFill/>
                 </a:ln>
@@ -14669,7 +14511,7 @@
               <a:tabLst/>
             </a:pPr>
             <a:r>
-              <a:rPr kumimoji="0" lang="en-US" sz="2000" b="0" i="0" u="none" strike="noStrike" cap="none" normalizeH="0" baseline="0" dirty="0" smtClean="0">
+              <a:rPr kumimoji="0" lang="en-US" sz="2000" b="0" i="0" u="none" strike="noStrike" cap="none" normalizeH="0" baseline="0" dirty="0">
                 <a:ln>
                   <a:noFill/>
                 </a:ln>
@@ -14684,7 +14526,7 @@
               <a:t>}</a:t>
             </a:r>
             <a:r>
-              <a:rPr kumimoji="0" lang="en-US" sz="2000" b="0" i="0" u="none" strike="noStrike" cap="none" normalizeH="0" baseline="0" dirty="0" smtClean="0">
+              <a:rPr kumimoji="0" lang="en-US" sz="2000" b="0" i="0" u="none" strike="noStrike" cap="none" normalizeH="0" baseline="0" dirty="0">
                 <a:ln>
                   <a:noFill/>
                 </a:ln>
@@ -14710,13 +14552,6 @@
   <p:clrMapOvr>
     <a:masterClrMapping/>
   </p:clrMapOvr>
-  <p:timing>
-    <p:tnLst>
-      <p:par>
-        <p:cTn id="1" dur="indefinite" restart="never" nodeType="tmRoot"/>
-      </p:par>
-    </p:tnLst>
-  </p:timing>
 </p:sld>
 </file>
 
@@ -14750,7 +14585,7 @@
         <p:spPr>
           <a:extLst>
             <a:ext uri="{FAA26D3D-D897-4be2-8F04-BA451C77F1D7}">
-              <ma14:placeholderFlag xmlns:ma14="http://schemas.microsoft.com/office/mac/drawingml/2011/main" xmlns="" val="1"/>
+              <ma14:placeholderFlag xmlns="" xmlns:ma14="http://schemas.microsoft.com/office/mac/drawingml/2011/main" val="1"/>
             </a:ext>
           </a:extLst>
         </p:spPr>
@@ -14771,13 +14606,8 @@
             </a:r>
             <a:r>
               <a:rPr lang="en-US" altLang="en-US" sz="2700" dirty="0"/>
-              <a:t> </a:t>
-            </a:r>
-            <a:r>
-              <a:rPr lang="en-US" altLang="en-US" sz="2700" dirty="0" smtClean="0"/>
-              <a:t>IF-ELSE</a:t>
-            </a:r>
-            <a:endParaRPr lang="en-US" altLang="en-US" sz="2700" dirty="0"/>
+              <a:t> IF-ELSE</a:t>
+            </a:r>
           </a:p>
         </p:txBody>
       </p:sp>
@@ -14804,37 +14634,33 @@
           <a:p>
             <a:pPr eaLnBrk="1" hangingPunct="1"/>
             <a:r>
-              <a:rPr lang="en-US" altLang="en-US" sz="1800" b="1" dirty="0" err="1" smtClean="0">
+              <a:rPr lang="en-US" altLang="en-US" sz="1800" b="1" dirty="0" err="1">
                 <a:latin typeface="Times New Roman" panose="02020603050405020304" pitchFamily="18" charset="0"/>
                 <a:cs typeface="Times New Roman" panose="02020603050405020304" pitchFamily="18" charset="0"/>
               </a:rPr>
               <a:t>Ví</a:t>
             </a:r>
             <a:r>
-              <a:rPr lang="en-US" altLang="en-US" sz="1800" b="1" dirty="0" smtClean="0">
+              <a:rPr lang="en-US" altLang="en-US" sz="1800" b="1" dirty="0">
                 <a:latin typeface="Times New Roman" panose="02020603050405020304" pitchFamily="18" charset="0"/>
                 <a:cs typeface="Times New Roman" panose="02020603050405020304" pitchFamily="18" charset="0"/>
               </a:rPr>
               <a:t> </a:t>
             </a:r>
             <a:r>
-              <a:rPr lang="en-US" altLang="en-US" sz="1800" b="1" dirty="0" err="1" smtClean="0">
+              <a:rPr lang="en-US" altLang="en-US" sz="1800" b="1" dirty="0" err="1">
                 <a:latin typeface="Times New Roman" panose="02020603050405020304" pitchFamily="18" charset="0"/>
                 <a:cs typeface="Times New Roman" panose="02020603050405020304" pitchFamily="18" charset="0"/>
               </a:rPr>
               <a:t>dụ</a:t>
             </a:r>
             <a:r>
-              <a:rPr lang="en-US" altLang="en-US" sz="1800" b="1" dirty="0" smtClean="0">
+              <a:rPr lang="en-US" altLang="en-US" sz="1800" b="1" dirty="0">
                 <a:latin typeface="Times New Roman" panose="02020603050405020304" pitchFamily="18" charset="0"/>
                 <a:cs typeface="Times New Roman" panose="02020603050405020304" pitchFamily="18" charset="0"/>
               </a:rPr>
               <a:t>:</a:t>
             </a:r>
-            <a:endParaRPr lang="en-US" altLang="en-US" sz="1800" b="1" dirty="0">
-              <a:latin typeface="Times New Roman" panose="02020603050405020304" pitchFamily="18" charset="0"/>
-              <a:cs typeface="Times New Roman" panose="02020603050405020304" pitchFamily="18" charset="0"/>
-            </a:endParaRPr>
           </a:p>
         </p:txBody>
       </p:sp>
@@ -15407,13 +15233,6 @@
   <p:clrMapOvr>
     <a:masterClrMapping/>
   </p:clrMapOvr>
-  <p:timing>
-    <p:tnLst>
-      <p:par>
-        <p:cTn id="1" dur="indefinite" restart="never" nodeType="tmRoot"/>
-      </p:par>
-    </p:tnLst>
-  </p:timing>
 </p:sld>
 </file>
 
@@ -15447,7 +15266,7 @@
         <p:spPr>
           <a:extLst>
             <a:ext uri="{FAA26D3D-D897-4be2-8F04-BA451C77F1D7}">
-              <ma14:placeholderFlag xmlns:ma14="http://schemas.microsoft.com/office/mac/drawingml/2011/main" xmlns="" val="1"/>
+              <ma14:placeholderFlag xmlns="" xmlns:ma14="http://schemas.microsoft.com/office/mac/drawingml/2011/main" val="1"/>
             </a:ext>
           </a:extLst>
         </p:spPr>
@@ -15468,13 +15287,8 @@
             </a:r>
             <a:r>
               <a:rPr lang="en-US" altLang="en-US" sz="2700" dirty="0"/>
-              <a:t> </a:t>
-            </a:r>
-            <a:r>
-              <a:rPr lang="en-US" altLang="en-US" sz="2700" dirty="0" smtClean="0"/>
-              <a:t>IF-ELSE-IF</a:t>
-            </a:r>
-            <a:endParaRPr lang="en-US" altLang="en-US" sz="2700" dirty="0"/>
+              <a:t> IF-ELSE-IF</a:t>
+            </a:r>
           </a:p>
         </p:txBody>
       </p:sp>
@@ -15600,17 +15414,6 @@
               </a:spcAft>
             </a:pPr>
             <a:r>
-              <a:rPr lang="en-US" sz="1800" dirty="0" smtClean="0">
-                <a:solidFill>
-                  <a:srgbClr val="343A40"/>
-                </a:solidFill>
-                <a:latin typeface="Segoe UI" panose="020B0502040204020203" pitchFamily="34" charset="0"/>
-                <a:ea typeface="Times New Roman" panose="02020603050405020304" pitchFamily="18" charset="0"/>
-                <a:cs typeface="Times New Roman" panose="02020603050405020304" pitchFamily="18" charset="0"/>
-              </a:rPr>
-              <a:t>- Câu </a:t>
-            </a:r>
-            <a:r>
               <a:rPr lang="en-US" sz="1800" dirty="0">
                 <a:solidFill>
                   <a:srgbClr val="343A40"/>
@@ -15619,7 +15422,7 @@
                 <a:ea typeface="Times New Roman" panose="02020603050405020304" pitchFamily="18" charset="0"/>
                 <a:cs typeface="Times New Roman" panose="02020603050405020304" pitchFamily="18" charset="0"/>
               </a:rPr>
-              <a:t>lệnh </a:t>
+              <a:t>- Câu lệnh </a:t>
             </a:r>
             <a:r>
               <a:rPr lang="en-US" sz="1800" dirty="0" err="1">
@@ -15962,14 +15765,6 @@
               </a:rPr>
               <a:t>”. </a:t>
             </a:r>
-            <a:endParaRPr lang="en-US" sz="1800" dirty="0" smtClean="0">
-              <a:solidFill>
-                <a:srgbClr val="343A40"/>
-              </a:solidFill>
-              <a:latin typeface="Segoe UI" panose="020B0502040204020203" pitchFamily="34" charset="0"/>
-              <a:ea typeface="Times New Roman" panose="02020603050405020304" pitchFamily="18" charset="0"/>
-              <a:cs typeface="Times New Roman" panose="02020603050405020304" pitchFamily="18" charset="0"/>
-            </a:endParaRPr>
           </a:p>
           <a:p>
             <a:pPr algn="just">
@@ -15981,7 +15776,7 @@
               </a:spcAft>
             </a:pPr>
             <a:r>
-              <a:rPr lang="en-US" sz="1800" dirty="0" smtClean="0">
+              <a:rPr lang="en-US" sz="1800" dirty="0">
                 <a:solidFill>
                   <a:srgbClr val="343A40"/>
                 </a:solidFill>
@@ -15992,7 +15787,7 @@
               <a:t>- </a:t>
             </a:r>
             <a:r>
-              <a:rPr lang="en-US" sz="1800" dirty="0" err="1" smtClean="0">
+              <a:rPr lang="en-US" sz="1800" dirty="0" err="1">
                 <a:solidFill>
                   <a:srgbClr val="343A40"/>
                 </a:solidFill>
@@ -16003,7 +15798,7 @@
               <a:t>Điều</a:t>
             </a:r>
             <a:r>
-              <a:rPr lang="en-US" sz="1800" dirty="0" smtClean="0">
+              <a:rPr lang="en-US" sz="1800" dirty="0">
                 <a:solidFill>
                   <a:srgbClr val="343A40"/>
                 </a:solidFill>
@@ -16277,14 +16072,6 @@
               </a:rPr>
               <a:t>. </a:t>
             </a:r>
-            <a:endParaRPr lang="en-US" sz="1800" dirty="0" smtClean="0">
-              <a:solidFill>
-                <a:srgbClr val="343A40"/>
-              </a:solidFill>
-              <a:latin typeface="Segoe UI" panose="020B0502040204020203" pitchFamily="34" charset="0"/>
-              <a:ea typeface="Times New Roman" panose="02020603050405020304" pitchFamily="18" charset="0"/>
-              <a:cs typeface="Times New Roman" panose="02020603050405020304" pitchFamily="18" charset="0"/>
-            </a:endParaRPr>
           </a:p>
           <a:p>
             <a:pPr algn="just">
@@ -16296,7 +16083,7 @@
               </a:spcAft>
             </a:pPr>
             <a:r>
-              <a:rPr lang="en-US" sz="1800" dirty="0" smtClean="0">
+              <a:rPr lang="en-US" sz="1800" dirty="0">
                 <a:solidFill>
                   <a:srgbClr val="343A40"/>
                 </a:solidFill>
@@ -16307,7 +16094,7 @@
               <a:t>- </a:t>
             </a:r>
             <a:r>
-              <a:rPr lang="en-US" sz="1800" dirty="0" err="1" smtClean="0">
+              <a:rPr lang="en-US" sz="1800" dirty="0" err="1">
                 <a:solidFill>
                   <a:srgbClr val="343A40"/>
                 </a:solidFill>
@@ -16318,7 +16105,7 @@
               <a:t>Khi</a:t>
             </a:r>
             <a:r>
-              <a:rPr lang="en-US" sz="1800" dirty="0" smtClean="0">
+              <a:rPr lang="en-US" sz="1800" dirty="0">
                 <a:solidFill>
                   <a:srgbClr val="343A40"/>
                 </a:solidFill>
@@ -16831,13 +16618,6 @@
   <p:clrMapOvr>
     <a:masterClrMapping/>
   </p:clrMapOvr>
-  <p:timing>
-    <p:tnLst>
-      <p:par>
-        <p:cTn id="1" dur="indefinite" restart="never" nodeType="tmRoot"/>
-      </p:par>
-    </p:tnLst>
-  </p:timing>
 </p:sld>
 </file>
 
@@ -16871,7 +16651,7 @@
         <p:spPr>
           <a:extLst>
             <a:ext uri="{FAA26D3D-D897-4be2-8F04-BA451C77F1D7}">
-              <ma14:placeholderFlag xmlns:ma14="http://schemas.microsoft.com/office/mac/drawingml/2011/main" xmlns="" val="1"/>
+              <ma14:placeholderFlag xmlns="" xmlns:ma14="http://schemas.microsoft.com/office/mac/drawingml/2011/main" val="1"/>
             </a:ext>
           </a:extLst>
         </p:spPr>
@@ -16892,13 +16672,8 @@
             </a:r>
             <a:r>
               <a:rPr lang="en-US" altLang="en-US" sz="2700" dirty="0"/>
-              <a:t> </a:t>
-            </a:r>
-            <a:r>
-              <a:rPr lang="en-US" altLang="en-US" sz="2700" dirty="0" smtClean="0"/>
-              <a:t>IF-ELSE-IF</a:t>
-            </a:r>
-            <a:endParaRPr lang="en-US" altLang="en-US" sz="2700" dirty="0"/>
+              <a:t> IF-ELSE-IF</a:t>
+            </a:r>
           </a:p>
         </p:txBody>
       </p:sp>
@@ -19721,13 +19496,6 @@
   <p:clrMapOvr>
     <a:masterClrMapping/>
   </p:clrMapOvr>
-  <p:timing>
-    <p:tnLst>
-      <p:par>
-        <p:cTn id="1" dur="indefinite" restart="never" nodeType="tmRoot"/>
-      </p:par>
-    </p:tnLst>
-  </p:timing>
 </p:sld>
 </file>
 
@@ -19761,7 +19529,7 @@
         <p:spPr>
           <a:extLst>
             <a:ext uri="{FAA26D3D-D897-4be2-8F04-BA451C77F1D7}">
-              <ma14:placeholderFlag xmlns:ma14="http://schemas.microsoft.com/office/mac/drawingml/2011/main" xmlns="" val="1"/>
+              <ma14:placeholderFlag xmlns="" xmlns:ma14="http://schemas.microsoft.com/office/mac/drawingml/2011/main" val="1"/>
             </a:ext>
           </a:extLst>
         </p:spPr>
@@ -19782,13 +19550,8 @@
             </a:r>
             <a:r>
               <a:rPr lang="en-US" altLang="en-US" sz="2700" dirty="0"/>
-              <a:t> </a:t>
-            </a:r>
-            <a:r>
-              <a:rPr lang="en-US" altLang="en-US" sz="2700" dirty="0" smtClean="0"/>
-              <a:t>IF-ELSE-IF</a:t>
-            </a:r>
-            <a:endParaRPr lang="en-US" altLang="en-US" sz="2700" dirty="0"/>
+              <a:t> IF-ELSE-IF</a:t>
+            </a:r>
           </a:p>
         </p:txBody>
       </p:sp>
@@ -20037,32 +19800,25 @@
               <a:t> </a:t>
             </a:r>
             <a:r>
-              <a:rPr lang="en-US" altLang="en-US" sz="1800" i="1" dirty="0" err="1" smtClean="0">
+              <a:rPr lang="en-US" altLang="en-US" sz="1800" i="1" dirty="0" err="1">
                 <a:latin typeface="Times New Roman" panose="02020603050405020304" pitchFamily="18" charset="0"/>
                 <a:cs typeface="Times New Roman" panose="02020603050405020304" pitchFamily="18" charset="0"/>
               </a:rPr>
               <a:t>kiện</a:t>
             </a:r>
             <a:r>
-              <a:rPr lang="en-US" altLang="en-US" sz="1800" i="1" dirty="0" smtClean="0">
+              <a:rPr lang="en-US" altLang="en-US" sz="1800" i="1" dirty="0">
                 <a:latin typeface="Times New Roman" panose="02020603050405020304" pitchFamily="18" charset="0"/>
                 <a:cs typeface="Times New Roman" panose="02020603050405020304" pitchFamily="18" charset="0"/>
               </a:rPr>
               <a:t> 1&gt;</a:t>
-            </a:r>
-            <a:r>
-              <a:rPr lang="en-US" altLang="en-US" sz="1800" dirty="0" smtClean="0">
-                <a:latin typeface="Times New Roman" panose="02020603050405020304" pitchFamily="18" charset="0"/>
-                <a:cs typeface="Times New Roman" panose="02020603050405020304" pitchFamily="18" charset="0"/>
-              </a:rPr>
-              <a:t>){ </a:t>
             </a:r>
             <a:r>
               <a:rPr lang="en-US" altLang="en-US" sz="1800" dirty="0">
                 <a:latin typeface="Times New Roman" panose="02020603050405020304" pitchFamily="18" charset="0"/>
                 <a:cs typeface="Times New Roman" panose="02020603050405020304" pitchFamily="18" charset="0"/>
               </a:rPr>
-              <a:t/>
+              <a:t>){ </a:t>
             </a:r>
             <a:br>
               <a:rPr lang="en-US" altLang="en-US" sz="1800" dirty="0">
@@ -20126,13 +19882,6 @@
               </a:rPr>
               <a:t> </a:t>
             </a:r>
-            <a:r>
-              <a:rPr lang="en-US" altLang="en-US" sz="1800" dirty="0">
-                <a:latin typeface="Times New Roman" panose="02020603050405020304" pitchFamily="18" charset="0"/>
-                <a:cs typeface="Times New Roman" panose="02020603050405020304" pitchFamily="18" charset="0"/>
-              </a:rPr>
-              <a:t/>
-            </a:r>
             <a:br>
               <a:rPr lang="en-US" altLang="en-US" sz="1800" dirty="0">
                 <a:latin typeface="Times New Roman" panose="02020603050405020304" pitchFamily="18" charset="0"/>
@@ -20156,13 +19905,6 @@
               </a:rPr>
               <a:t> </a:t>
             </a:r>
-            <a:endParaRPr lang="en-US" altLang="en-US" sz="1800" b="1" dirty="0">
-              <a:solidFill>
-                <a:srgbClr val="0000FF"/>
-              </a:solidFill>
-              <a:latin typeface="Times New Roman" panose="02020603050405020304" pitchFamily="18" charset="0"/>
-              <a:cs typeface="Times New Roman" panose="02020603050405020304" pitchFamily="18" charset="0"/>
-            </a:endParaRPr>
           </a:p>
           <a:p>
             <a:pPr eaLnBrk="1" hangingPunct="1">
@@ -20180,27 +19922,7 @@
                 <a:latin typeface="Times New Roman" panose="02020603050405020304" pitchFamily="18" charset="0"/>
                 <a:cs typeface="Times New Roman" panose="02020603050405020304" pitchFamily="18" charset="0"/>
               </a:rPr>
-              <a:t>e</a:t>
-            </a:r>
-            <a:r>
-              <a:rPr lang="en-US" altLang="en-US" sz="1800" b="1" dirty="0">
-                <a:solidFill>
-                  <a:srgbClr val="0000FF"/>
-                </a:solidFill>
-                <a:latin typeface="Times New Roman" panose="02020603050405020304" pitchFamily="18" charset="0"/>
-                <a:cs typeface="Times New Roman" panose="02020603050405020304" pitchFamily="18" charset="0"/>
-              </a:rPr>
-              <a:t>lse </a:t>
-            </a:r>
-            <a:r>
-              <a:rPr lang="en-US" altLang="en-US" sz="1800" b="1" dirty="0" smtClean="0">
-                <a:solidFill>
-                  <a:srgbClr val="0000FF"/>
-                </a:solidFill>
-                <a:latin typeface="Times New Roman" panose="02020603050405020304" pitchFamily="18" charset="0"/>
-                <a:cs typeface="Times New Roman" panose="02020603050405020304" pitchFamily="18" charset="0"/>
-              </a:rPr>
-              <a:t>if </a:t>
+              <a:t>else if </a:t>
             </a:r>
             <a:r>
               <a:rPr lang="en-US" altLang="en-US" sz="1800" dirty="0">
@@ -20270,28 +19992,14 @@
                 <a:latin typeface="Times New Roman" panose="02020603050405020304" pitchFamily="18" charset="0"/>
                 <a:cs typeface="Times New Roman" panose="02020603050405020304" pitchFamily="18" charset="0"/>
               </a:rPr>
-              <a:t> </a:t>
-            </a:r>
-            <a:r>
-              <a:rPr lang="en-US" altLang="en-US" sz="1800" i="1" dirty="0" smtClean="0">
-                <a:latin typeface="Times New Roman" panose="02020603050405020304" pitchFamily="18" charset="0"/>
-                <a:cs typeface="Times New Roman" panose="02020603050405020304" pitchFamily="18" charset="0"/>
-              </a:rPr>
-              <a:t>2&gt;</a:t>
-            </a:r>
-            <a:r>
-              <a:rPr lang="en-US" altLang="en-US" sz="1800" dirty="0" smtClean="0">
-                <a:latin typeface="Times New Roman" panose="02020603050405020304" pitchFamily="18" charset="0"/>
-                <a:cs typeface="Times New Roman" panose="02020603050405020304" pitchFamily="18" charset="0"/>
-              </a:rPr>
-              <a:t>){ </a:t>
+              <a:t> 2&gt;</a:t>
             </a:r>
             <a:r>
               <a:rPr lang="en-US" altLang="en-US" sz="1800" dirty="0">
                 <a:latin typeface="Times New Roman" panose="02020603050405020304" pitchFamily="18" charset="0"/>
                 <a:cs typeface="Times New Roman" panose="02020603050405020304" pitchFamily="18" charset="0"/>
               </a:rPr>
-              <a:t/>
+              <a:t>){ </a:t>
             </a:r>
             <a:br>
               <a:rPr lang="en-US" altLang="en-US" sz="1800" dirty="0">
@@ -20332,27 +20040,20 @@
                 <a:latin typeface="Times New Roman" panose="02020603050405020304" pitchFamily="18" charset="0"/>
                 <a:cs typeface="Times New Roman" panose="02020603050405020304" pitchFamily="18" charset="0"/>
               </a:rPr>
-              <a:t> </a:t>
+              <a:t> lệnh </a:t>
+            </a:r>
+            <a:r>
+              <a:rPr lang="en-US" altLang="en-US" sz="1800" i="1" dirty="0" err="1">
+                <a:latin typeface="Times New Roman" panose="02020603050405020304" pitchFamily="18" charset="0"/>
+                <a:cs typeface="Times New Roman" panose="02020603050405020304" pitchFamily="18" charset="0"/>
+              </a:rPr>
+              <a:t>nhóm</a:t>
             </a:r>
             <a:r>
               <a:rPr lang="en-US" altLang="en-US" sz="1800" i="1" dirty="0">
                 <a:latin typeface="Times New Roman" panose="02020603050405020304" pitchFamily="18" charset="0"/>
                 <a:cs typeface="Times New Roman" panose="02020603050405020304" pitchFamily="18" charset="0"/>
               </a:rPr>
-              <a:t>lệnh </a:t>
-            </a:r>
-            <a:r>
-              <a:rPr lang="en-US" altLang="en-US" sz="1800" i="1" dirty="0" err="1">
-                <a:latin typeface="Times New Roman" panose="02020603050405020304" pitchFamily="18" charset="0"/>
-                <a:cs typeface="Times New Roman" panose="02020603050405020304" pitchFamily="18" charset="0"/>
-              </a:rPr>
-              <a:t>nhóm</a:t>
-            </a:r>
-            <a:r>
-              <a:rPr lang="en-US" altLang="en-US" sz="1800" i="1" dirty="0">
-                <a:latin typeface="Times New Roman" panose="02020603050405020304" pitchFamily="18" charset="0"/>
-                <a:cs typeface="Times New Roman" panose="02020603050405020304" pitchFamily="18" charset="0"/>
-              </a:rPr>
               <a:t> 2;</a:t>
             </a:r>
             <a:r>
@@ -20361,13 +20062,6 @@
                 <a:cs typeface="Times New Roman" panose="02020603050405020304" pitchFamily="18" charset="0"/>
               </a:rPr>
               <a:t> </a:t>
-            </a:r>
-            <a:r>
-              <a:rPr lang="en-US" altLang="en-US" sz="1800" dirty="0">
-                <a:latin typeface="Times New Roman" panose="02020603050405020304" pitchFamily="18" charset="0"/>
-                <a:cs typeface="Times New Roman" panose="02020603050405020304" pitchFamily="18" charset="0"/>
-              </a:rPr>
-              <a:t/>
             </a:r>
             <a:br>
               <a:rPr lang="en-US" altLang="en-US" sz="1800" dirty="0">
@@ -20382,10 +20076,6 @@
               </a:rPr>
               <a:t>} </a:t>
             </a:r>
-            <a:endParaRPr lang="en-US" altLang="en-US" sz="1800" dirty="0" smtClean="0">
-              <a:latin typeface="Times New Roman" panose="02020603050405020304" pitchFamily="18" charset="0"/>
-              <a:cs typeface="Times New Roman" panose="02020603050405020304" pitchFamily="18" charset="0"/>
-            </a:endParaRPr>
           </a:p>
           <a:p>
             <a:pPr eaLnBrk="1" hangingPunct="1">
@@ -20473,28 +20163,14 @@
                 <a:latin typeface="Times New Roman" panose="02020603050405020304" pitchFamily="18" charset="0"/>
                 <a:cs typeface="Times New Roman" panose="02020603050405020304" pitchFamily="18" charset="0"/>
               </a:rPr>
-              <a:t> </a:t>
-            </a:r>
-            <a:r>
-              <a:rPr lang="en-US" altLang="en-US" sz="1800" i="1" dirty="0" smtClean="0">
-                <a:latin typeface="Times New Roman" panose="02020603050405020304" pitchFamily="18" charset="0"/>
-                <a:cs typeface="Times New Roman" panose="02020603050405020304" pitchFamily="18" charset="0"/>
-              </a:rPr>
-              <a:t>3&gt;</a:t>
-            </a:r>
-            <a:r>
-              <a:rPr lang="en-US" altLang="en-US" sz="1800" dirty="0" smtClean="0">
-                <a:latin typeface="Times New Roman" panose="02020603050405020304" pitchFamily="18" charset="0"/>
-                <a:cs typeface="Times New Roman" panose="02020603050405020304" pitchFamily="18" charset="0"/>
-              </a:rPr>
-              <a:t>){ </a:t>
+              <a:t> 3&gt;</a:t>
             </a:r>
             <a:r>
               <a:rPr lang="en-US" altLang="en-US" sz="1800" dirty="0">
                 <a:latin typeface="Times New Roman" panose="02020603050405020304" pitchFamily="18" charset="0"/>
                 <a:cs typeface="Times New Roman" panose="02020603050405020304" pitchFamily="18" charset="0"/>
               </a:rPr>
-              <a:t/>
+              <a:t>){ </a:t>
             </a:r>
             <a:br>
               <a:rPr lang="en-US" altLang="en-US" sz="1800" dirty="0">
@@ -20503,7 +20179,7 @@
               </a:rPr>
             </a:br>
             <a:r>
-              <a:rPr lang="en-US" altLang="en-US" sz="1800" dirty="0" smtClean="0">
+              <a:rPr lang="en-US" altLang="en-US" sz="1800" dirty="0">
                 <a:latin typeface="Times New Roman" panose="02020603050405020304" pitchFamily="18" charset="0"/>
                 <a:cs typeface="Times New Roman" panose="02020603050405020304" pitchFamily="18" charset="0"/>
               </a:rPr>
@@ -20549,28 +20225,14 @@
                 <a:latin typeface="Times New Roman" panose="02020603050405020304" pitchFamily="18" charset="0"/>
                 <a:cs typeface="Times New Roman" panose="02020603050405020304" pitchFamily="18" charset="0"/>
               </a:rPr>
-              <a:t> </a:t>
-            </a:r>
-            <a:r>
-              <a:rPr lang="en-US" altLang="en-US" sz="1800" i="1" dirty="0" smtClean="0">
-                <a:latin typeface="Times New Roman" panose="02020603050405020304" pitchFamily="18" charset="0"/>
-                <a:cs typeface="Times New Roman" panose="02020603050405020304" pitchFamily="18" charset="0"/>
-              </a:rPr>
-              <a:t>3;</a:t>
-            </a:r>
-            <a:r>
-              <a:rPr lang="en-US" altLang="en-US" sz="1800" dirty="0" smtClean="0">
-                <a:latin typeface="Times New Roman" panose="02020603050405020304" pitchFamily="18" charset="0"/>
-                <a:cs typeface="Times New Roman" panose="02020603050405020304" pitchFamily="18" charset="0"/>
-              </a:rPr>
-              <a:t> </a:t>
+              <a:t> 3;</a:t>
             </a:r>
             <a:r>
               <a:rPr lang="en-US" altLang="en-US" sz="1800" dirty="0">
                 <a:latin typeface="Times New Roman" panose="02020603050405020304" pitchFamily="18" charset="0"/>
                 <a:cs typeface="Times New Roman" panose="02020603050405020304" pitchFamily="18" charset="0"/>
               </a:rPr>
-              <a:t/>
+              <a:t> </a:t>
             </a:r>
             <a:br>
               <a:rPr lang="en-US" altLang="en-US" sz="1800" dirty="0">
@@ -20595,7 +20257,7 @@
               <a:buNone/>
             </a:pPr>
             <a:r>
-              <a:rPr lang="en-US" altLang="en-US" sz="1800" b="1" dirty="0" smtClean="0">
+              <a:rPr lang="en-US" altLang="en-US" sz="1800" b="1" dirty="0">
                 <a:solidFill>
                   <a:srgbClr val="0000FF"/>
                 </a:solidFill>
@@ -20603,20 +20265,13 @@
                 <a:cs typeface="Times New Roman" panose="02020603050405020304" pitchFamily="18" charset="0"/>
               </a:rPr>
               <a:t>else </a:t>
-            </a:r>
-            <a:r>
-              <a:rPr lang="en-US" altLang="en-US" sz="1800" dirty="0" smtClean="0">
-                <a:latin typeface="Times New Roman" panose="02020603050405020304" pitchFamily="18" charset="0"/>
-                <a:cs typeface="Times New Roman" panose="02020603050405020304" pitchFamily="18" charset="0"/>
-              </a:rPr>
-              <a:t>{ </a:t>
             </a:r>
             <a:r>
               <a:rPr lang="en-US" altLang="en-US" sz="1800" dirty="0">
                 <a:latin typeface="Times New Roman" panose="02020603050405020304" pitchFamily="18" charset="0"/>
                 <a:cs typeface="Times New Roman" panose="02020603050405020304" pitchFamily="18" charset="0"/>
               </a:rPr>
-              <a:t/>
+              <a:t>{ </a:t>
             </a:r>
             <a:br>
               <a:rPr lang="en-US" altLang="en-US" sz="1800" dirty="0">
@@ -20671,28 +20326,14 @@
                 <a:latin typeface="Times New Roman" panose="02020603050405020304" pitchFamily="18" charset="0"/>
                 <a:cs typeface="Times New Roman" panose="02020603050405020304" pitchFamily="18" charset="0"/>
               </a:rPr>
-              <a:t> </a:t>
-            </a:r>
-            <a:r>
-              <a:rPr lang="en-US" altLang="en-US" sz="1800" i="1" dirty="0" smtClean="0">
-                <a:latin typeface="Times New Roman" panose="02020603050405020304" pitchFamily="18" charset="0"/>
-                <a:cs typeface="Times New Roman" panose="02020603050405020304" pitchFamily="18" charset="0"/>
-              </a:rPr>
-              <a:t>n;</a:t>
-            </a:r>
-            <a:r>
-              <a:rPr lang="en-US" altLang="en-US" sz="1800" dirty="0" smtClean="0">
-                <a:latin typeface="Times New Roman" panose="02020603050405020304" pitchFamily="18" charset="0"/>
-                <a:cs typeface="Times New Roman" panose="02020603050405020304" pitchFamily="18" charset="0"/>
-              </a:rPr>
-              <a:t> </a:t>
+              <a:t> n;</a:t>
             </a:r>
             <a:r>
               <a:rPr lang="en-US" altLang="en-US" sz="1800" dirty="0">
                 <a:latin typeface="Times New Roman" panose="02020603050405020304" pitchFamily="18" charset="0"/>
                 <a:cs typeface="Times New Roman" panose="02020603050405020304" pitchFamily="18" charset="0"/>
               </a:rPr>
-              <a:t/>
+              <a:t> </a:t>
             </a:r>
             <a:br>
               <a:rPr lang="en-US" altLang="en-US" sz="1800" dirty="0">
@@ -20780,13 +20421,6 @@
   <p:clrMapOvr>
     <a:masterClrMapping/>
   </p:clrMapOvr>
-  <p:timing>
-    <p:tnLst>
-      <p:par>
-        <p:cTn id="1" dur="indefinite" restart="never" nodeType="tmRoot"/>
-      </p:par>
-    </p:tnLst>
-  </p:timing>
 </p:sld>
 </file>
 
@@ -20820,7 +20454,7 @@
         <p:spPr>
           <a:extLst>
             <a:ext uri="{FAA26D3D-D897-4be2-8F04-BA451C77F1D7}">
-              <ma14:placeholderFlag xmlns:ma14="http://schemas.microsoft.com/office/mac/drawingml/2011/main" xmlns="" val="1"/>
+              <ma14:placeholderFlag xmlns="" xmlns:ma14="http://schemas.microsoft.com/office/mac/drawingml/2011/main" val="1"/>
             </a:ext>
           </a:extLst>
         </p:spPr>
@@ -20841,13 +20475,8 @@
             </a:r>
             <a:r>
               <a:rPr lang="en-US" altLang="en-US" sz="2700" dirty="0"/>
-              <a:t> </a:t>
-            </a:r>
-            <a:r>
-              <a:rPr lang="en-US" altLang="en-US" sz="2700" dirty="0" smtClean="0"/>
-              <a:t>IF-ELSE-IF</a:t>
-            </a:r>
-            <a:endParaRPr lang="en-US" altLang="en-US" sz="2700" dirty="0"/>
+              <a:t> IF-ELSE-IF</a:t>
+            </a:r>
           </a:p>
         </p:txBody>
       </p:sp>
@@ -20881,7 +20510,7 @@
               </a:spcAft>
             </a:pPr>
             <a:r>
-              <a:rPr lang="en-US" sz="2000" b="1" dirty="0" err="1" smtClean="0">
+              <a:rPr lang="en-US" sz="2000" b="1" dirty="0" err="1">
                 <a:solidFill>
                   <a:srgbClr val="343A40"/>
                 </a:solidFill>
@@ -20892,7 +20521,7 @@
               <a:t>Chú</a:t>
             </a:r>
             <a:r>
-              <a:rPr lang="en-US" sz="2000" b="1" dirty="0" smtClean="0">
+              <a:rPr lang="en-US" sz="2000" b="1" dirty="0">
                 <a:solidFill>
                   <a:srgbClr val="343A40"/>
                 </a:solidFill>
@@ -20913,7 +20542,7 @@
               </a:spcAft>
             </a:pPr>
             <a:r>
-              <a:rPr lang="en-US" sz="1800" dirty="0" smtClean="0">
+              <a:rPr lang="en-US" sz="1800" dirty="0">
                 <a:solidFill>
                   <a:srgbClr val="343A40"/>
                 </a:solidFill>
@@ -21309,13 +20938,6 @@
   <p:clrMapOvr>
     <a:masterClrMapping/>
   </p:clrMapOvr>
-  <p:timing>
-    <p:tnLst>
-      <p:par>
-        <p:cTn id="1" dur="indefinite" restart="never" nodeType="tmRoot"/>
-      </p:par>
-    </p:tnLst>
-  </p:timing>
 </p:sld>
 </file>
 
@@ -21370,43 +20992,43 @@
               </a:spcAft>
             </a:pPr>
             <a:r>
-              <a:rPr lang="en-US" sz="2000" dirty="0" err="1" smtClean="0"/>
+              <a:rPr lang="en-US" sz="2000" dirty="0" err="1"/>
               <a:t>Biết</a:t>
             </a:r>
             <a:r>
-              <a:rPr lang="en-US" sz="2000" dirty="0" smtClean="0"/>
-              <a:t> </a:t>
-            </a:r>
-            <a:r>
-              <a:rPr lang="en-US" sz="2000" dirty="0" err="1" smtClean="0"/>
+              <a:rPr lang="en-US" sz="2000" dirty="0"/>
+              <a:t> </a:t>
+            </a:r>
+            <a:r>
+              <a:rPr lang="en-US" sz="2000" dirty="0" err="1"/>
               <a:t>cách</a:t>
             </a:r>
             <a:r>
-              <a:rPr lang="en-US" sz="2000" dirty="0" smtClean="0"/>
-              <a:t> </a:t>
-            </a:r>
-            <a:r>
-              <a:rPr lang="en-US" sz="2000" dirty="0" err="1" smtClean="0"/>
+              <a:rPr lang="en-US" sz="2000" dirty="0"/>
+              <a:t> </a:t>
+            </a:r>
+            <a:r>
+              <a:rPr lang="en-US" sz="2000" dirty="0" err="1"/>
               <a:t>sử</a:t>
             </a:r>
             <a:r>
-              <a:rPr lang="en-US" sz="2000" dirty="0" smtClean="0"/>
-              <a:t> </a:t>
-            </a:r>
-            <a:r>
-              <a:rPr lang="en-US" sz="2000" dirty="0" err="1" smtClean="0"/>
+              <a:rPr lang="en-US" sz="2000" dirty="0"/>
+              <a:t> </a:t>
+            </a:r>
+            <a:r>
+              <a:rPr lang="en-US" sz="2000" dirty="0" err="1"/>
               <a:t>dụng</a:t>
             </a:r>
             <a:r>
-              <a:rPr lang="en-US" sz="2000" dirty="0" smtClean="0"/>
-              <a:t> </a:t>
-            </a:r>
-            <a:r>
-              <a:rPr lang="en-US" sz="2000" dirty="0" err="1" smtClean="0"/>
+              <a:rPr lang="en-US" sz="2000" dirty="0"/>
+              <a:t> </a:t>
+            </a:r>
+            <a:r>
+              <a:rPr lang="en-US" sz="2000" dirty="0" err="1"/>
               <a:t>câu</a:t>
             </a:r>
             <a:r>
-              <a:rPr lang="en-US" sz="2000" dirty="0" smtClean="0"/>
+              <a:rPr lang="en-US" sz="2000" dirty="0"/>
               <a:t> lệnh IF</a:t>
             </a:r>
           </a:p>
@@ -21452,22 +21074,13 @@
               <a:t> </a:t>
             </a:r>
             <a:r>
-              <a:rPr lang="en-US" sz="2000" dirty="0" err="1" smtClean="0"/>
+              <a:rPr lang="en-US" sz="2000" dirty="0" err="1"/>
               <a:t>câu</a:t>
             </a:r>
             <a:r>
-              <a:rPr lang="en-US" sz="2000" dirty="0" smtClean="0"/>
-              <a:t> </a:t>
-            </a:r>
-            <a:r>
               <a:rPr lang="en-US" sz="2000" dirty="0"/>
-              <a:t>lệnh </a:t>
-            </a:r>
-            <a:r>
-              <a:rPr lang="en-US" sz="2000" dirty="0" smtClean="0"/>
-              <a:t>IF-ELSE</a:t>
-            </a:r>
-            <a:endParaRPr lang="en-US" sz="2000" dirty="0"/>
+              <a:t> lệnh IF-ELSE</a:t>
+            </a:r>
           </a:p>
           <a:p>
             <a:pPr>
@@ -21511,115 +21124,24 @@
               <a:t> </a:t>
             </a:r>
             <a:r>
-              <a:rPr lang="en-US" sz="2000" dirty="0" err="1" smtClean="0"/>
-              <a:t>câu</a:t>
-            </a:r>
-            <a:r>
-              <a:rPr lang="en-US" sz="2000" dirty="0" smtClean="0"/>
-              <a:t> </a:t>
-            </a:r>
-            <a:r>
-              <a:rPr lang="en-US" sz="2000" dirty="0"/>
-              <a:t>lệnh </a:t>
-            </a:r>
-            <a:r>
-              <a:rPr lang="en-US" sz="2000" dirty="0" smtClean="0"/>
-              <a:t>IF </a:t>
-            </a:r>
-            <a:r>
-              <a:rPr lang="en-US" sz="2000" dirty="0" err="1" smtClean="0"/>
-              <a:t>bậc</a:t>
-            </a:r>
-            <a:r>
-              <a:rPr lang="en-US" sz="2000" dirty="0" smtClean="0"/>
-              <a:t> </a:t>
-            </a:r>
-            <a:r>
-              <a:rPr lang="en-US" sz="2000" dirty="0" err="1" smtClean="0"/>
-              <a:t>thang</a:t>
-            </a:r>
-            <a:endParaRPr lang="en-US" sz="2000" dirty="0" smtClean="0"/>
-          </a:p>
-          <a:p>
-            <a:pPr lvl="0">
-              <a:spcBef>
-                <a:spcPts val="600"/>
-              </a:spcBef>
-              <a:spcAft>
-                <a:spcPts val="600"/>
-              </a:spcAft>
-            </a:pPr>
-            <a:r>
-              <a:rPr lang="en-US" sz="2000" dirty="0" err="1"/>
-              <a:t>Biết</a:t>
-            </a:r>
-            <a:r>
-              <a:rPr lang="en-US" sz="2000" dirty="0"/>
-              <a:t> </a:t>
-            </a:r>
-            <a:r>
-              <a:rPr lang="en-US" sz="2000" dirty="0" err="1"/>
-              <a:t>cách</a:t>
-            </a:r>
-            <a:r>
-              <a:rPr lang="en-US" sz="2000" dirty="0"/>
-              <a:t> </a:t>
-            </a:r>
-            <a:r>
-              <a:rPr lang="en-US" sz="2000" dirty="0" err="1"/>
-              <a:t>sử</a:t>
-            </a:r>
-            <a:r>
-              <a:rPr lang="en-US" sz="2000" dirty="0"/>
-              <a:t> </a:t>
-            </a:r>
-            <a:r>
-              <a:rPr lang="en-US" sz="2000" dirty="0" err="1"/>
-              <a:t>dụng</a:t>
-            </a:r>
-            <a:r>
-              <a:rPr lang="en-US" sz="2000" dirty="0"/>
-              <a:t> </a:t>
-            </a:r>
-            <a:r>
-              <a:rPr lang="en-US" sz="2000" dirty="0" err="1"/>
-              <a:t>các</a:t>
-            </a:r>
-            <a:r>
-              <a:rPr lang="en-US" sz="2000" dirty="0"/>
-              <a:t> </a:t>
-            </a:r>
-            <a:r>
-              <a:rPr lang="en-US" sz="2000" dirty="0" err="1"/>
-              <a:t>dạng</a:t>
-            </a:r>
-            <a:r>
-              <a:rPr lang="en-US" sz="2000" dirty="0"/>
-              <a:t> </a:t>
-            </a:r>
-            <a:r>
               <a:rPr lang="en-US" sz="2000" dirty="0" err="1"/>
               <a:t>câu</a:t>
             </a:r>
             <a:r>
               <a:rPr lang="en-US" sz="2000" dirty="0"/>
-              <a:t> lệnh </a:t>
-            </a:r>
-            <a:r>
-              <a:rPr lang="en-US" sz="2000" dirty="0" smtClean="0"/>
-              <a:t>IF </a:t>
-            </a:r>
-            <a:r>
-              <a:rPr lang="en-US" sz="2000" dirty="0" err="1" smtClean="0"/>
-              <a:t>lồng</a:t>
-            </a:r>
-            <a:r>
-              <a:rPr lang="en-US" sz="2000" dirty="0" smtClean="0"/>
-              <a:t> </a:t>
-            </a:r>
-            <a:r>
-              <a:rPr lang="en-US" sz="2000" dirty="0" err="1" smtClean="0"/>
-              <a:t>nhau</a:t>
+              <a:t> lệnh IF </a:t>
+            </a:r>
+            <a:r>
+              <a:rPr lang="en-US" sz="2000" dirty="0" err="1"/>
+              <a:t>bậc</a:t>
+            </a:r>
+            <a:r>
+              <a:rPr lang="en-US" sz="2000" dirty="0"/>
+              <a:t> </a:t>
+            </a:r>
+            <a:r>
+              <a:rPr lang="en-US" sz="2000" dirty="0" err="1"/>
+              <a:t>thang</a:t>
             </a:r>
             <a:endParaRPr lang="en-US" sz="2000" dirty="0"/>
           </a:p>
@@ -21633,56 +21155,123 @@
               </a:spcAft>
             </a:pPr>
             <a:r>
-              <a:rPr lang="en-US" sz="2000" dirty="0" err="1" smtClean="0"/>
+              <a:rPr lang="en-US" sz="2000" dirty="0" err="1"/>
               <a:t>Biết</a:t>
             </a:r>
             <a:r>
-              <a:rPr lang="en-US" sz="2000" dirty="0" smtClean="0"/>
-              <a:t> </a:t>
-            </a:r>
-            <a:r>
-              <a:rPr lang="en-US" sz="2000" dirty="0" err="1" smtClean="0"/>
+              <a:rPr lang="en-US" sz="2000" dirty="0"/>
+              <a:t> </a:t>
+            </a:r>
+            <a:r>
+              <a:rPr lang="en-US" sz="2000" dirty="0" err="1"/>
               <a:t>cách</a:t>
             </a:r>
             <a:r>
-              <a:rPr lang="en-US" sz="2000" dirty="0" smtClean="0"/>
-              <a:t> </a:t>
-            </a:r>
-            <a:r>
-              <a:rPr lang="en-US" sz="2000" dirty="0" err="1" smtClean="0"/>
+              <a:rPr lang="en-US" sz="2000" dirty="0"/>
+              <a:t> </a:t>
+            </a:r>
+            <a:r>
+              <a:rPr lang="en-US" sz="2000" dirty="0" err="1"/>
               <a:t>sử</a:t>
             </a:r>
             <a:r>
-              <a:rPr lang="en-US" sz="2000" dirty="0" smtClean="0"/>
-              <a:t> </a:t>
-            </a:r>
-            <a:r>
-              <a:rPr lang="en-US" sz="2000" dirty="0" err="1" smtClean="0"/>
+              <a:rPr lang="en-US" sz="2000" dirty="0"/>
+              <a:t> </a:t>
+            </a:r>
+            <a:r>
+              <a:rPr lang="en-US" sz="2000" dirty="0" err="1"/>
               <a:t>dụng</a:t>
             </a:r>
             <a:r>
-              <a:rPr lang="en-US" sz="2000" dirty="0" smtClean="0"/>
-              <a:t> </a:t>
-            </a:r>
-            <a:r>
-              <a:rPr lang="en-US" sz="2000" dirty="0" err="1" smtClean="0"/>
+              <a:rPr lang="en-US" sz="2000" dirty="0"/>
+              <a:t> </a:t>
+            </a:r>
+            <a:r>
+              <a:rPr lang="en-US" sz="2000" dirty="0" err="1"/>
+              <a:t>các</a:t>
+            </a:r>
+            <a:r>
+              <a:rPr lang="en-US" sz="2000" dirty="0"/>
+              <a:t> </a:t>
+            </a:r>
+            <a:r>
+              <a:rPr lang="en-US" sz="2000" dirty="0" err="1"/>
+              <a:t>dạng</a:t>
+            </a:r>
+            <a:r>
+              <a:rPr lang="en-US" sz="2000" dirty="0"/>
+              <a:t> </a:t>
+            </a:r>
+            <a:r>
+              <a:rPr lang="en-US" sz="2000" dirty="0" err="1"/>
               <a:t>câu</a:t>
             </a:r>
             <a:r>
               <a:rPr lang="en-US" sz="2000" dirty="0"/>
-              <a:t> </a:t>
-            </a:r>
-            <a:r>
-              <a:rPr lang="en-US" sz="2000" dirty="0" smtClean="0"/>
-              <a:t>lệnh</a:t>
+              <a:t> lệnh IF </a:t>
+            </a:r>
+            <a:r>
+              <a:rPr lang="en-US" sz="2000" dirty="0" err="1"/>
+              <a:t>lồng</a:t>
             </a:r>
             <a:r>
               <a:rPr lang="en-US" sz="2000" dirty="0"/>
               <a:t> </a:t>
             </a:r>
             <a:r>
-              <a:rPr lang="en-US" sz="2000" dirty="0" smtClean="0"/>
-              <a:t>Switch</a:t>
+              <a:rPr lang="en-US" sz="2000" dirty="0" err="1"/>
+              <a:t>nhau</a:t>
+            </a:r>
+            <a:endParaRPr lang="en-US" sz="2000" dirty="0"/>
+          </a:p>
+          <a:p>
+            <a:pPr lvl="0">
+              <a:spcBef>
+                <a:spcPts val="600"/>
+              </a:spcBef>
+              <a:spcAft>
+                <a:spcPts val="600"/>
+              </a:spcAft>
+            </a:pPr>
+            <a:r>
+              <a:rPr lang="en-US" sz="2000" dirty="0" err="1"/>
+              <a:t>Biết</a:t>
+            </a:r>
+            <a:r>
+              <a:rPr lang="en-US" sz="2000" dirty="0"/>
+              <a:t> </a:t>
+            </a:r>
+            <a:r>
+              <a:rPr lang="en-US" sz="2000" dirty="0" err="1"/>
+              <a:t>cách</a:t>
+            </a:r>
+            <a:r>
+              <a:rPr lang="en-US" sz="2000" dirty="0"/>
+              <a:t> </a:t>
+            </a:r>
+            <a:r>
+              <a:rPr lang="en-US" sz="2000" dirty="0" err="1"/>
+              <a:t>sử</a:t>
+            </a:r>
+            <a:r>
+              <a:rPr lang="en-US" sz="2000" dirty="0"/>
+              <a:t> </a:t>
+            </a:r>
+            <a:r>
+              <a:rPr lang="en-US" sz="2000" dirty="0" err="1"/>
+              <a:t>dụng</a:t>
+            </a:r>
+            <a:r>
+              <a:rPr lang="en-US" sz="2000" dirty="0"/>
+              <a:t> </a:t>
+            </a:r>
+            <a:r>
+              <a:rPr lang="en-US" sz="2000" dirty="0" err="1"/>
+              <a:t>câu</a:t>
+            </a:r>
+            <a:r>
+              <a:rPr lang="en-US" sz="2000" dirty="0"/>
+              <a:t> lệnh Switch</a:t>
             </a:r>
             <a:endParaRPr sz="2000" dirty="0"/>
           </a:p>
@@ -21801,7 +21390,7 @@
           </a:xfrm>
           <a:extLst>
             <a:ext uri="{FAA26D3D-D897-4be2-8F04-BA451C77F1D7}">
-              <ma14:placeholderFlag xmlns:ma14="http://schemas.microsoft.com/office/mac/drawingml/2011/main" xmlns="" val="1"/>
+              <ma14:placeholderFlag xmlns="" xmlns:ma14="http://schemas.microsoft.com/office/mac/drawingml/2011/main" val="1"/>
             </a:ext>
           </a:extLst>
         </p:spPr>
@@ -21822,13 +21411,8 @@
             </a:r>
             <a:r>
               <a:rPr lang="en-US" altLang="en-US" sz="2700" dirty="0"/>
-              <a:t> </a:t>
-            </a:r>
-            <a:r>
-              <a:rPr lang="en-US" altLang="en-US" sz="2700" dirty="0" smtClean="0"/>
-              <a:t>IF-ELSE-IF</a:t>
-            </a:r>
-            <a:endParaRPr lang="en-US" altLang="en-US" sz="2700" dirty="0"/>
+              <a:t> IF-ELSE-IF</a:t>
+            </a:r>
           </a:p>
         </p:txBody>
       </p:sp>
@@ -21842,13 +21426,6 @@
   <p:clrMapOvr>
     <a:masterClrMapping/>
   </p:clrMapOvr>
-  <p:timing>
-    <p:tnLst>
-      <p:par>
-        <p:cTn id="1" dur="indefinite" restart="never" nodeType="tmRoot"/>
-      </p:par>
-    </p:tnLst>
-  </p:timing>
 </p:sld>
 </file>
 
@@ -21886,7 +21463,7 @@
           </a:xfrm>
           <a:extLst>
             <a:ext uri="{FAA26D3D-D897-4be2-8F04-BA451C77F1D7}">
-              <ma14:placeholderFlag xmlns:ma14="http://schemas.microsoft.com/office/mac/drawingml/2011/main" xmlns="" val="1"/>
+              <ma14:placeholderFlag xmlns="" xmlns:ma14="http://schemas.microsoft.com/office/mac/drawingml/2011/main" val="1"/>
             </a:ext>
           </a:extLst>
         </p:spPr>
@@ -21907,13 +21484,8 @@
             </a:r>
             <a:r>
               <a:rPr lang="en-US" altLang="en-US" sz="2700" dirty="0"/>
-              <a:t> </a:t>
-            </a:r>
-            <a:r>
-              <a:rPr lang="en-US" altLang="en-US" sz="2700" dirty="0" smtClean="0"/>
-              <a:t>IF-ELSE-IF</a:t>
-            </a:r>
-            <a:endParaRPr lang="en-US" altLang="en-US" sz="2700" dirty="0"/>
+              <a:t> IF-ELSE-IF</a:t>
+            </a:r>
           </a:p>
         </p:txBody>
       </p:sp>
@@ -23209,13 +22781,6 @@
   <p:clrMapOvr>
     <a:masterClrMapping/>
   </p:clrMapOvr>
-  <p:timing>
-    <p:tnLst>
-      <p:par>
-        <p:cTn id="1" dur="indefinite" restart="never" nodeType="tmRoot"/>
-      </p:par>
-    </p:tnLst>
-  </p:timing>
 </p:sld>
 </file>
 
@@ -23253,7 +22818,7 @@
           </a:xfrm>
           <a:extLst>
             <a:ext uri="{FAA26D3D-D897-4be2-8F04-BA451C77F1D7}">
-              <ma14:placeholderFlag xmlns:ma14="http://schemas.microsoft.com/office/mac/drawingml/2011/main" xmlns="" val="1"/>
+              <ma14:placeholderFlag xmlns="" xmlns:ma14="http://schemas.microsoft.com/office/mac/drawingml/2011/main" val="1"/>
             </a:ext>
           </a:extLst>
         </p:spPr>
@@ -23274,13 +22839,8 @@
             </a:r>
             <a:r>
               <a:rPr lang="en-US" altLang="en-US" sz="2700" dirty="0"/>
-              <a:t> </a:t>
-            </a:r>
-            <a:r>
-              <a:rPr lang="en-US" altLang="en-US" sz="2700" dirty="0" smtClean="0"/>
-              <a:t>IF-ELSE-IF</a:t>
-            </a:r>
-            <a:endParaRPr lang="en-US" altLang="en-US" sz="2700" dirty="0"/>
+              <a:t> IF-ELSE-IF</a:t>
+            </a:r>
           </a:p>
         </p:txBody>
       </p:sp>
@@ -24576,13 +24136,6 @@
   <p:clrMapOvr>
     <a:masterClrMapping/>
   </p:clrMapOvr>
-  <p:timing>
-    <p:tnLst>
-      <p:par>
-        <p:cTn id="1" dur="indefinite" restart="never" nodeType="tmRoot"/>
-      </p:par>
-    </p:tnLst>
-  </p:timing>
 </p:sld>
 </file>
 
@@ -24620,7 +24173,7 @@
           </a:xfrm>
           <a:extLst>
             <a:ext uri="{FAA26D3D-D897-4be2-8F04-BA451C77F1D7}">
-              <ma14:placeholderFlag xmlns:ma14="http://schemas.microsoft.com/office/mac/drawingml/2011/main" xmlns="" val="1"/>
+              <ma14:placeholderFlag xmlns="" xmlns:ma14="http://schemas.microsoft.com/office/mac/drawingml/2011/main" val="1"/>
             </a:ext>
           </a:extLst>
         </p:spPr>
@@ -24641,13 +24194,8 @@
             </a:r>
             <a:r>
               <a:rPr lang="en-US" altLang="en-US" sz="2700" dirty="0"/>
-              <a:t> </a:t>
-            </a:r>
-            <a:r>
-              <a:rPr lang="en-US" altLang="en-US" sz="2700" dirty="0" smtClean="0"/>
-              <a:t>IF-ELSE-IF</a:t>
-            </a:r>
-            <a:endParaRPr lang="en-US" altLang="en-US" sz="2700" dirty="0"/>
+              <a:t> IF-ELSE-IF</a:t>
+            </a:r>
           </a:p>
         </p:txBody>
       </p:sp>
@@ -24694,13 +24242,6 @@
   <p:clrMapOvr>
     <a:masterClrMapping/>
   </p:clrMapOvr>
-  <p:timing>
-    <p:tnLst>
-      <p:par>
-        <p:cTn id="1" dur="indefinite" restart="never" nodeType="tmRoot"/>
-      </p:par>
-    </p:tnLst>
-  </p:timing>
 </p:sld>
 </file>
 
@@ -24738,7 +24279,7 @@
           </a:xfrm>
           <a:extLst>
             <a:ext uri="{FAA26D3D-D897-4be2-8F04-BA451C77F1D7}">
-              <ma14:placeholderFlag xmlns:ma14="http://schemas.microsoft.com/office/mac/drawingml/2011/main" xmlns="" val="1"/>
+              <ma14:placeholderFlag xmlns="" xmlns:ma14="http://schemas.microsoft.com/office/mac/drawingml/2011/main" val="1"/>
             </a:ext>
           </a:extLst>
         </p:spPr>
@@ -24759,13 +24300,8 @@
             </a:r>
             <a:r>
               <a:rPr lang="en-US" altLang="en-US" sz="2700" dirty="0"/>
-              <a:t> </a:t>
-            </a:r>
-            <a:r>
-              <a:rPr lang="en-US" altLang="en-US" sz="2700" dirty="0" smtClean="0"/>
-              <a:t>IF-ELSE-IF</a:t>
-            </a:r>
-            <a:endParaRPr lang="en-US" altLang="en-US" sz="2700" dirty="0"/>
+              <a:t> IF-ELSE-IF</a:t>
+            </a:r>
           </a:p>
         </p:txBody>
       </p:sp>
@@ -28071,13 +27607,6 @@
   <p:clrMapOvr>
     <a:masterClrMapping/>
   </p:clrMapOvr>
-  <p:timing>
-    <p:tnLst>
-      <p:par>
-        <p:cTn id="1" dur="indefinite" restart="never" nodeType="tmRoot"/>
-      </p:par>
-    </p:tnLst>
-  </p:timing>
 </p:sld>
 </file>
 
@@ -28115,7 +27644,7 @@
           </a:xfrm>
           <a:extLst>
             <a:ext uri="{FAA26D3D-D897-4be2-8F04-BA451C77F1D7}">
-              <ma14:placeholderFlag xmlns:ma14="http://schemas.microsoft.com/office/mac/drawingml/2011/main" xmlns="" val="1"/>
+              <ma14:placeholderFlag xmlns="" xmlns:ma14="http://schemas.microsoft.com/office/mac/drawingml/2011/main" val="1"/>
             </a:ext>
           </a:extLst>
         </p:spPr>
@@ -28136,13 +27665,8 @@
             </a:r>
             <a:r>
               <a:rPr lang="en-US" altLang="en-US" sz="2700" dirty="0"/>
-              <a:t> </a:t>
-            </a:r>
-            <a:r>
-              <a:rPr lang="en-US" altLang="en-US" sz="2700" dirty="0" smtClean="0"/>
-              <a:t>IF-ELSE-IF</a:t>
-            </a:r>
-            <a:endParaRPr lang="en-US" altLang="en-US" sz="2700" dirty="0"/>
+              <a:t> IF-ELSE-IF</a:t>
+            </a:r>
           </a:p>
         </p:txBody>
       </p:sp>
@@ -28328,7 +27852,7 @@
               <a:buNone/>
             </a:pPr>
             <a:r>
-              <a:rPr lang="en-US" altLang="en-US" sz="1800" b="1" dirty="0" smtClean="0">
+              <a:rPr lang="en-US" altLang="en-US" sz="1800" b="1" dirty="0">
                 <a:solidFill>
                   <a:srgbClr val="0000FF"/>
                 </a:solidFill>
@@ -28338,97 +27862,97 @@
               <a:t>if </a:t>
             </a:r>
             <a:r>
-              <a:rPr lang="en-US" altLang="en-US" sz="1800" dirty="0" smtClean="0">
+              <a:rPr lang="en-US" altLang="en-US" sz="1800" dirty="0">
                 <a:latin typeface="Times New Roman" panose="02020603050405020304" pitchFamily="18" charset="0"/>
                 <a:cs typeface="Times New Roman" panose="02020603050405020304" pitchFamily="18" charset="0"/>
               </a:rPr>
               <a:t>(</a:t>
             </a:r>
             <a:r>
-              <a:rPr lang="en-US" altLang="en-US" sz="1800" i="1" dirty="0" smtClean="0">
+              <a:rPr lang="en-US" altLang="en-US" sz="1800" i="1" dirty="0">
                 <a:latin typeface="Times New Roman" panose="02020603050405020304" pitchFamily="18" charset="0"/>
                 <a:cs typeface="Times New Roman" panose="02020603050405020304" pitchFamily="18" charset="0"/>
               </a:rPr>
               <a:t>&lt;</a:t>
             </a:r>
             <a:r>
-              <a:rPr lang="en-US" altLang="en-US" sz="1800" i="1" dirty="0" err="1" smtClean="0">
+              <a:rPr lang="en-US" altLang="en-US" sz="1800" i="1" dirty="0" err="1">
                 <a:latin typeface="Times New Roman" panose="02020603050405020304" pitchFamily="18" charset="0"/>
                 <a:cs typeface="Times New Roman" panose="02020603050405020304" pitchFamily="18" charset="0"/>
               </a:rPr>
               <a:t>Biểu</a:t>
             </a:r>
             <a:r>
-              <a:rPr lang="en-US" altLang="en-US" sz="1800" i="1" dirty="0" smtClean="0">
+              <a:rPr lang="en-US" altLang="en-US" sz="1800" i="1" dirty="0">
                 <a:latin typeface="Times New Roman" panose="02020603050405020304" pitchFamily="18" charset="0"/>
                 <a:cs typeface="Times New Roman" panose="02020603050405020304" pitchFamily="18" charset="0"/>
               </a:rPr>
               <a:t> </a:t>
             </a:r>
             <a:r>
-              <a:rPr lang="en-US" altLang="en-US" sz="1800" i="1" dirty="0" err="1" smtClean="0">
+              <a:rPr lang="en-US" altLang="en-US" sz="1800" i="1" dirty="0" err="1">
                 <a:latin typeface="Times New Roman" panose="02020603050405020304" pitchFamily="18" charset="0"/>
                 <a:cs typeface="Times New Roman" panose="02020603050405020304" pitchFamily="18" charset="0"/>
               </a:rPr>
               <a:t>thức</a:t>
             </a:r>
             <a:r>
-              <a:rPr lang="en-US" altLang="en-US" sz="1800" i="1" dirty="0" smtClean="0">
+              <a:rPr lang="en-US" altLang="en-US" sz="1800" i="1" dirty="0">
                 <a:latin typeface="Times New Roman" panose="02020603050405020304" pitchFamily="18" charset="0"/>
                 <a:cs typeface="Times New Roman" panose="02020603050405020304" pitchFamily="18" charset="0"/>
               </a:rPr>
               <a:t> </a:t>
             </a:r>
             <a:r>
-              <a:rPr lang="en-US" altLang="en-US" sz="1800" i="1" dirty="0" err="1" smtClean="0">
+              <a:rPr lang="en-US" altLang="en-US" sz="1800" i="1" dirty="0" err="1">
                 <a:latin typeface="Times New Roman" panose="02020603050405020304" pitchFamily="18" charset="0"/>
                 <a:cs typeface="Times New Roman" panose="02020603050405020304" pitchFamily="18" charset="0"/>
               </a:rPr>
               <a:t>điều</a:t>
             </a:r>
             <a:r>
-              <a:rPr lang="en-US" altLang="en-US" sz="1800" i="1" dirty="0" smtClean="0">
+              <a:rPr lang="en-US" altLang="en-US" sz="1800" i="1" dirty="0">
                 <a:latin typeface="Times New Roman" panose="02020603050405020304" pitchFamily="18" charset="0"/>
                 <a:cs typeface="Times New Roman" panose="02020603050405020304" pitchFamily="18" charset="0"/>
               </a:rPr>
               <a:t> </a:t>
             </a:r>
             <a:r>
-              <a:rPr lang="en-US" altLang="en-US" sz="1800" i="1" dirty="0" err="1" smtClean="0">
+              <a:rPr lang="en-US" altLang="en-US" sz="1800" i="1" dirty="0" err="1">
                 <a:latin typeface="Times New Roman" panose="02020603050405020304" pitchFamily="18" charset="0"/>
                 <a:cs typeface="Times New Roman" panose="02020603050405020304" pitchFamily="18" charset="0"/>
               </a:rPr>
               <a:t>kiện</a:t>
             </a:r>
             <a:r>
-              <a:rPr lang="en-US" altLang="en-US" sz="1800" i="1" dirty="0" smtClean="0">
+              <a:rPr lang="en-US" altLang="en-US" sz="1800" i="1" dirty="0">
                 <a:latin typeface="Times New Roman" panose="02020603050405020304" pitchFamily="18" charset="0"/>
                 <a:cs typeface="Times New Roman" panose="02020603050405020304" pitchFamily="18" charset="0"/>
               </a:rPr>
               <a:t> 1&gt;</a:t>
             </a:r>
             <a:r>
-              <a:rPr lang="en-US" altLang="en-US" sz="1800" dirty="0" smtClean="0">
+              <a:rPr lang="en-US" altLang="en-US" sz="1800" dirty="0">
                 <a:latin typeface="Times New Roman" panose="02020603050405020304" pitchFamily="18" charset="0"/>
                 <a:cs typeface="Times New Roman" panose="02020603050405020304" pitchFamily="18" charset="0"/>
               </a:rPr>
               <a:t>){ </a:t>
             </a:r>
             <a:br>
-              <a:rPr lang="en-US" altLang="en-US" sz="1800" dirty="0" smtClean="0">
+              <a:rPr lang="en-US" altLang="en-US" sz="1800" dirty="0">
                 <a:latin typeface="Times New Roman" panose="02020603050405020304" pitchFamily="18" charset="0"/>
                 <a:cs typeface="Times New Roman" panose="02020603050405020304" pitchFamily="18" charset="0"/>
               </a:rPr>
             </a:br>
             <a:r>
-              <a:rPr lang="en-US" altLang="en-US" sz="1800" dirty="0" smtClean="0">
+              <a:rPr lang="en-US" altLang="en-US" sz="1800" dirty="0">
                 <a:latin typeface="Times New Roman" panose="02020603050405020304" pitchFamily="18" charset="0"/>
                 <a:cs typeface="Times New Roman" panose="02020603050405020304" pitchFamily="18" charset="0"/>
               </a:rPr>
               <a:t>     </a:t>
             </a:r>
             <a:r>
-              <a:rPr lang="en-US" altLang="en-US" sz="1800" b="1" dirty="0" smtClean="0">
+              <a:rPr lang="en-US" altLang="en-US" sz="1800" b="1" dirty="0">
                 <a:solidFill>
                   <a:srgbClr val="0000FF"/>
                 </a:solidFill>
@@ -28573,26 +28097,15 @@
                 <a:latin typeface="Times New Roman" panose="02020603050405020304" pitchFamily="18" charset="0"/>
                 <a:cs typeface="Times New Roman" panose="02020603050405020304" pitchFamily="18" charset="0"/>
               </a:rPr>
-              <a:t> </a:t>
-            </a:r>
-            <a:r>
-              <a:rPr lang="en-US" altLang="en-US" sz="1800" i="1" dirty="0" smtClean="0">
+              <a:t> 1;</a:t>
+            </a:r>
+            <a:r>
+              <a:rPr lang="en-US" altLang="en-US" sz="1800" dirty="0">
                 <a:latin typeface="Times New Roman" panose="02020603050405020304" pitchFamily="18" charset="0"/>
                 <a:cs typeface="Times New Roman" panose="02020603050405020304" pitchFamily="18" charset="0"/>
               </a:rPr>
-              <a:t>1;</a:t>
-            </a:r>
-            <a:r>
-              <a:rPr lang="en-US" altLang="en-US" sz="1800" dirty="0" smtClean="0">
-                <a:latin typeface="Times New Roman" panose="02020603050405020304" pitchFamily="18" charset="0"/>
-                <a:cs typeface="Times New Roman" panose="02020603050405020304" pitchFamily="18" charset="0"/>
-              </a:rPr>
               <a:t>} </a:t>
             </a:r>
-            <a:endParaRPr lang="en-US" altLang="en-US" sz="1800" dirty="0">
-              <a:latin typeface="Times New Roman" panose="02020603050405020304" pitchFamily="18" charset="0"/>
-              <a:cs typeface="Times New Roman" panose="02020603050405020304" pitchFamily="18" charset="0"/>
-            </a:endParaRPr>
           </a:p>
           <a:p>
             <a:pPr eaLnBrk="1" hangingPunct="1">
@@ -28662,28 +28175,14 @@
                 <a:latin typeface="Times New Roman" panose="02020603050405020304" pitchFamily="18" charset="0"/>
                 <a:cs typeface="Times New Roman" panose="02020603050405020304" pitchFamily="18" charset="0"/>
               </a:rPr>
-              <a:t> </a:t>
-            </a:r>
-            <a:r>
-              <a:rPr lang="en-US" altLang="en-US" sz="1800" i="1" dirty="0" smtClean="0">
-                <a:latin typeface="Times New Roman" panose="02020603050405020304" pitchFamily="18" charset="0"/>
-                <a:cs typeface="Times New Roman" panose="02020603050405020304" pitchFamily="18" charset="0"/>
-              </a:rPr>
-              <a:t>2;</a:t>
-            </a:r>
-            <a:r>
-              <a:rPr lang="en-US" altLang="en-US" sz="1800" dirty="0" smtClean="0">
-                <a:latin typeface="Times New Roman" panose="02020603050405020304" pitchFamily="18" charset="0"/>
-                <a:cs typeface="Times New Roman" panose="02020603050405020304" pitchFamily="18" charset="0"/>
-              </a:rPr>
-              <a:t> }</a:t>
+              <a:t> 2;</a:t>
             </a:r>
             <a:r>
               <a:rPr lang="en-US" altLang="en-US" sz="1800" dirty="0">
                 <a:latin typeface="Times New Roman" panose="02020603050405020304" pitchFamily="18" charset="0"/>
                 <a:cs typeface="Times New Roman" panose="02020603050405020304" pitchFamily="18" charset="0"/>
               </a:rPr>
-              <a:t/>
+              <a:t> }</a:t>
             </a:r>
             <a:br>
               <a:rPr lang="en-US" altLang="en-US" sz="1800" dirty="0">
@@ -28692,14 +28191,14 @@
               </a:rPr>
             </a:br>
             <a:r>
-              <a:rPr lang="en-US" altLang="en-US" sz="1800" dirty="0" smtClean="0">
+              <a:rPr lang="en-US" altLang="en-US" sz="1800" dirty="0">
                 <a:latin typeface="Times New Roman" panose="02020603050405020304" pitchFamily="18" charset="0"/>
                 <a:cs typeface="Times New Roman" panose="02020603050405020304" pitchFamily="18" charset="0"/>
               </a:rPr>
               <a:t>}</a:t>
             </a:r>
             <a:r>
-              <a:rPr lang="en-US" altLang="en-US" sz="1800" b="1" dirty="0" smtClean="0">
+              <a:rPr lang="en-US" altLang="en-US" sz="1800" b="1" dirty="0">
                 <a:solidFill>
                   <a:srgbClr val="0000FF"/>
                 </a:solidFill>
@@ -28721,7 +28220,7 @@
               <a:buNone/>
             </a:pPr>
             <a:r>
-              <a:rPr lang="en-US" altLang="en-US" sz="1800" b="1" dirty="0" smtClean="0">
+              <a:rPr lang="en-US" altLang="en-US" sz="1800" b="1" dirty="0">
                 <a:solidFill>
                   <a:srgbClr val="0000FF"/>
                 </a:solidFill>
@@ -28743,7 +28242,7 @@
               <a:buNone/>
             </a:pPr>
             <a:r>
-              <a:rPr lang="en-US" altLang="en-US" sz="1800" b="1" dirty="0" smtClean="0">
+              <a:rPr lang="en-US" altLang="en-US" sz="1800" b="1" dirty="0">
                 <a:solidFill>
                   <a:srgbClr val="0000FF"/>
                 </a:solidFill>
@@ -28753,77 +28252,77 @@
               <a:t>{    if </a:t>
             </a:r>
             <a:r>
-              <a:rPr lang="en-US" altLang="en-US" sz="1800" dirty="0" smtClean="0">
+              <a:rPr lang="en-US" altLang="en-US" sz="1800" dirty="0">
                 <a:latin typeface="Times New Roman" panose="02020603050405020304" pitchFamily="18" charset="0"/>
                 <a:cs typeface="Times New Roman" panose="02020603050405020304" pitchFamily="18" charset="0"/>
               </a:rPr>
               <a:t>(</a:t>
             </a:r>
             <a:r>
-              <a:rPr lang="en-US" altLang="en-US" sz="1800" i="1" dirty="0" smtClean="0">
+              <a:rPr lang="en-US" altLang="en-US" sz="1800" i="1" dirty="0">
                 <a:latin typeface="Times New Roman" panose="02020603050405020304" pitchFamily="18" charset="0"/>
                 <a:cs typeface="Times New Roman" panose="02020603050405020304" pitchFamily="18" charset="0"/>
               </a:rPr>
               <a:t>&lt;</a:t>
             </a:r>
             <a:r>
-              <a:rPr lang="en-US" altLang="en-US" sz="1800" i="1" dirty="0" err="1" smtClean="0">
+              <a:rPr lang="en-US" altLang="en-US" sz="1800" i="1" dirty="0" err="1">
                 <a:latin typeface="Times New Roman" panose="02020603050405020304" pitchFamily="18" charset="0"/>
                 <a:cs typeface="Times New Roman" panose="02020603050405020304" pitchFamily="18" charset="0"/>
               </a:rPr>
               <a:t>Biểu</a:t>
             </a:r>
             <a:r>
-              <a:rPr lang="en-US" altLang="en-US" sz="1800" i="1" dirty="0" smtClean="0">
+              <a:rPr lang="en-US" altLang="en-US" sz="1800" i="1" dirty="0">
                 <a:latin typeface="Times New Roman" panose="02020603050405020304" pitchFamily="18" charset="0"/>
                 <a:cs typeface="Times New Roman" panose="02020603050405020304" pitchFamily="18" charset="0"/>
               </a:rPr>
               <a:t> </a:t>
             </a:r>
             <a:r>
-              <a:rPr lang="en-US" altLang="en-US" sz="1800" i="1" dirty="0" err="1" smtClean="0">
+              <a:rPr lang="en-US" altLang="en-US" sz="1800" i="1" dirty="0" err="1">
                 <a:latin typeface="Times New Roman" panose="02020603050405020304" pitchFamily="18" charset="0"/>
                 <a:cs typeface="Times New Roman" panose="02020603050405020304" pitchFamily="18" charset="0"/>
               </a:rPr>
               <a:t>thức</a:t>
             </a:r>
             <a:r>
-              <a:rPr lang="en-US" altLang="en-US" sz="1800" i="1" dirty="0" smtClean="0">
+              <a:rPr lang="en-US" altLang="en-US" sz="1800" i="1" dirty="0">
                 <a:latin typeface="Times New Roman" panose="02020603050405020304" pitchFamily="18" charset="0"/>
                 <a:cs typeface="Times New Roman" panose="02020603050405020304" pitchFamily="18" charset="0"/>
               </a:rPr>
               <a:t> </a:t>
             </a:r>
             <a:r>
-              <a:rPr lang="en-US" altLang="en-US" sz="1800" i="1" dirty="0" err="1" smtClean="0">
+              <a:rPr lang="en-US" altLang="en-US" sz="1800" i="1" dirty="0" err="1">
                 <a:latin typeface="Times New Roman" panose="02020603050405020304" pitchFamily="18" charset="0"/>
                 <a:cs typeface="Times New Roman" panose="02020603050405020304" pitchFamily="18" charset="0"/>
               </a:rPr>
               <a:t>điều</a:t>
             </a:r>
             <a:r>
-              <a:rPr lang="en-US" altLang="en-US" sz="1800" i="1" dirty="0" smtClean="0">
+              <a:rPr lang="en-US" altLang="en-US" sz="1800" i="1" dirty="0">
                 <a:latin typeface="Times New Roman" panose="02020603050405020304" pitchFamily="18" charset="0"/>
                 <a:cs typeface="Times New Roman" panose="02020603050405020304" pitchFamily="18" charset="0"/>
               </a:rPr>
               <a:t> </a:t>
             </a:r>
             <a:r>
-              <a:rPr lang="en-US" altLang="en-US" sz="1800" i="1" dirty="0" err="1" smtClean="0">
+              <a:rPr lang="en-US" altLang="en-US" sz="1800" i="1" dirty="0" err="1">
                 <a:latin typeface="Times New Roman" panose="02020603050405020304" pitchFamily="18" charset="0"/>
                 <a:cs typeface="Times New Roman" panose="02020603050405020304" pitchFamily="18" charset="0"/>
               </a:rPr>
               <a:t>kiện</a:t>
             </a:r>
             <a:r>
-              <a:rPr lang="en-US" altLang="en-US" sz="1800" i="1" dirty="0" smtClean="0">
+              <a:rPr lang="en-US" altLang="en-US" sz="1800" i="1" dirty="0">
                 <a:latin typeface="Times New Roman" panose="02020603050405020304" pitchFamily="18" charset="0"/>
                 <a:cs typeface="Times New Roman" panose="02020603050405020304" pitchFamily="18" charset="0"/>
               </a:rPr>
               <a:t> 3&gt;</a:t>
             </a:r>
             <a:r>
-              <a:rPr lang="en-US" altLang="en-US" sz="1800" dirty="0" smtClean="0">
+              <a:rPr lang="en-US" altLang="en-US" sz="1800" dirty="0">
                 <a:latin typeface="Times New Roman" panose="02020603050405020304" pitchFamily="18" charset="0"/>
                 <a:cs typeface="Times New Roman" panose="02020603050405020304" pitchFamily="18" charset="0"/>
               </a:rPr>
@@ -28846,59 +28345,52 @@
                 <a:latin typeface="Times New Roman" panose="02020603050405020304" pitchFamily="18" charset="0"/>
                 <a:cs typeface="Times New Roman" panose="02020603050405020304" pitchFamily="18" charset="0"/>
               </a:rPr>
-              <a:t> </a:t>
-            </a:r>
-            <a:r>
-              <a:rPr lang="en-US" altLang="en-US" sz="1800" dirty="0" smtClean="0">
+              <a:t>            {</a:t>
+            </a:r>
+            <a:r>
+              <a:rPr lang="en-US" altLang="en-US" sz="1800" i="1" dirty="0" err="1">
                 <a:latin typeface="Times New Roman" panose="02020603050405020304" pitchFamily="18" charset="0"/>
                 <a:cs typeface="Times New Roman" panose="02020603050405020304" pitchFamily="18" charset="0"/>
               </a:rPr>
-              <a:t>           {</a:t>
-            </a:r>
-            <a:r>
-              <a:rPr lang="en-US" altLang="en-US" sz="1800" i="1" dirty="0" err="1" smtClean="0">
+              <a:t>Các</a:t>
+            </a:r>
+            <a:r>
+              <a:rPr lang="en-US" altLang="en-US" sz="1800" i="1" dirty="0">
                 <a:latin typeface="Times New Roman" panose="02020603050405020304" pitchFamily="18" charset="0"/>
                 <a:cs typeface="Times New Roman" panose="02020603050405020304" pitchFamily="18" charset="0"/>
               </a:rPr>
-              <a:t>Các</a:t>
-            </a:r>
-            <a:r>
-              <a:rPr lang="en-US" altLang="en-US" sz="1800" i="1" dirty="0" smtClean="0">
+              <a:t> </a:t>
+            </a:r>
+            <a:r>
+              <a:rPr lang="en-US" altLang="en-US" sz="1800" i="1" dirty="0" err="1">
                 <a:latin typeface="Times New Roman" panose="02020603050405020304" pitchFamily="18" charset="0"/>
                 <a:cs typeface="Times New Roman" panose="02020603050405020304" pitchFamily="18" charset="0"/>
               </a:rPr>
-              <a:t> </a:t>
-            </a:r>
-            <a:r>
-              <a:rPr lang="en-US" altLang="en-US" sz="1800" i="1" dirty="0" err="1" smtClean="0">
+              <a:t>câu</a:t>
+            </a:r>
+            <a:r>
+              <a:rPr lang="en-US" altLang="en-US" sz="1800" i="1" dirty="0">
                 <a:latin typeface="Times New Roman" panose="02020603050405020304" pitchFamily="18" charset="0"/>
                 <a:cs typeface="Times New Roman" panose="02020603050405020304" pitchFamily="18" charset="0"/>
               </a:rPr>
-              <a:t>câu</a:t>
-            </a:r>
-            <a:r>
-              <a:rPr lang="en-US" altLang="en-US" sz="1800" i="1" dirty="0" smtClean="0">
+              <a:t> lệnh </a:t>
+            </a:r>
+            <a:r>
+              <a:rPr lang="en-US" altLang="en-US" sz="1800" i="1" dirty="0" err="1">
                 <a:latin typeface="Times New Roman" panose="02020603050405020304" pitchFamily="18" charset="0"/>
                 <a:cs typeface="Times New Roman" panose="02020603050405020304" pitchFamily="18" charset="0"/>
               </a:rPr>
-              <a:t> lệnh </a:t>
-            </a:r>
-            <a:r>
-              <a:rPr lang="en-US" altLang="en-US" sz="1800" i="1" dirty="0" err="1" smtClean="0">
+              <a:t>nhóm</a:t>
+            </a:r>
+            <a:r>
+              <a:rPr lang="en-US" altLang="en-US" sz="1800" i="1" dirty="0">
                 <a:latin typeface="Times New Roman" panose="02020603050405020304" pitchFamily="18" charset="0"/>
                 <a:cs typeface="Times New Roman" panose="02020603050405020304" pitchFamily="18" charset="0"/>
               </a:rPr>
-              <a:t>nhóm</a:t>
-            </a:r>
-            <a:r>
-              <a:rPr lang="en-US" altLang="en-US" sz="1800" i="1" dirty="0" smtClean="0">
-                <a:latin typeface="Times New Roman" panose="02020603050405020304" pitchFamily="18" charset="0"/>
-                <a:cs typeface="Times New Roman" panose="02020603050405020304" pitchFamily="18" charset="0"/>
-              </a:rPr>
               <a:t> 3;</a:t>
             </a:r>
             <a:r>
-              <a:rPr lang="en-US" altLang="en-US" sz="1800" dirty="0" smtClean="0">
+              <a:rPr lang="en-US" altLang="en-US" sz="1800" dirty="0">
                 <a:latin typeface="Times New Roman" panose="02020603050405020304" pitchFamily="18" charset="0"/>
                 <a:cs typeface="Times New Roman" panose="02020603050405020304" pitchFamily="18" charset="0"/>
               </a:rPr>
@@ -28924,87 +28416,63 @@
                 <a:latin typeface="Times New Roman" panose="02020603050405020304" pitchFamily="18" charset="0"/>
                 <a:cs typeface="Times New Roman" panose="02020603050405020304" pitchFamily="18" charset="0"/>
               </a:rPr>
-              <a:t> </a:t>
-            </a:r>
-            <a:r>
-              <a:rPr lang="en-US" altLang="en-US" sz="1800" b="1" dirty="0" smtClean="0">
-                <a:solidFill>
-                  <a:srgbClr val="0000FF"/>
-                </a:solidFill>
+              <a:t>     else </a:t>
+            </a:r>
+            <a:r>
+              <a:rPr lang="en-US" altLang="en-US" sz="1800" dirty="0">
                 <a:latin typeface="Times New Roman" panose="02020603050405020304" pitchFamily="18" charset="0"/>
                 <a:cs typeface="Times New Roman" panose="02020603050405020304" pitchFamily="18" charset="0"/>
               </a:rPr>
-              <a:t>    else </a:t>
-            </a:r>
-            <a:r>
-              <a:rPr lang="en-US" altLang="en-US" sz="1800" dirty="0" smtClean="0">
-                <a:latin typeface="Times New Roman" panose="02020603050405020304" pitchFamily="18" charset="0"/>
-                <a:cs typeface="Times New Roman" panose="02020603050405020304" pitchFamily="18" charset="0"/>
-              </a:rPr>
               <a:t>{ </a:t>
-            </a:r>
-            <a:r>
-              <a:rPr lang="en-US" altLang="en-US" sz="1800" i="1" dirty="0" err="1" smtClean="0">
-                <a:latin typeface="Times New Roman" panose="02020603050405020304" pitchFamily="18" charset="0"/>
-                <a:cs typeface="Times New Roman" panose="02020603050405020304" pitchFamily="18" charset="0"/>
-              </a:rPr>
-              <a:t>Các</a:t>
-            </a:r>
-            <a:r>
-              <a:rPr lang="en-US" altLang="en-US" sz="1800" i="1" dirty="0" smtClean="0">
-                <a:latin typeface="Times New Roman" panose="02020603050405020304" pitchFamily="18" charset="0"/>
-                <a:cs typeface="Times New Roman" panose="02020603050405020304" pitchFamily="18" charset="0"/>
-              </a:rPr>
-              <a:t> </a:t>
             </a:r>
             <a:r>
               <a:rPr lang="en-US" altLang="en-US" sz="1800" i="1" dirty="0" err="1">
                 <a:latin typeface="Times New Roman" panose="02020603050405020304" pitchFamily="18" charset="0"/>
                 <a:cs typeface="Times New Roman" panose="02020603050405020304" pitchFamily="18" charset="0"/>
               </a:rPr>
-              <a:t>câu</a:t>
+              <a:t>Các</a:t>
             </a:r>
             <a:r>
               <a:rPr lang="en-US" altLang="en-US" sz="1800" i="1" dirty="0">
                 <a:latin typeface="Times New Roman" panose="02020603050405020304" pitchFamily="18" charset="0"/>
                 <a:cs typeface="Times New Roman" panose="02020603050405020304" pitchFamily="18" charset="0"/>
               </a:rPr>
-              <a:t> lệnh </a:t>
+              <a:t> </a:t>
             </a:r>
             <a:r>
               <a:rPr lang="en-US" altLang="en-US" sz="1800" i="1" dirty="0" err="1">
                 <a:latin typeface="Times New Roman" panose="02020603050405020304" pitchFamily="18" charset="0"/>
                 <a:cs typeface="Times New Roman" panose="02020603050405020304" pitchFamily="18" charset="0"/>
               </a:rPr>
-              <a:t>nhóm</a:t>
+              <a:t>câu</a:t>
             </a:r>
             <a:r>
               <a:rPr lang="en-US" altLang="en-US" sz="1800" i="1" dirty="0">
                 <a:latin typeface="Times New Roman" panose="02020603050405020304" pitchFamily="18" charset="0"/>
                 <a:cs typeface="Times New Roman" panose="02020603050405020304" pitchFamily="18" charset="0"/>
               </a:rPr>
-              <a:t> </a:t>
-            </a:r>
-            <a:r>
-              <a:rPr lang="en-US" altLang="en-US" sz="1800" i="1" dirty="0" smtClean="0">
+              <a:t> lệnh </a:t>
+            </a:r>
+            <a:r>
+              <a:rPr lang="en-US" altLang="en-US" sz="1800" i="1" dirty="0" err="1">
                 <a:latin typeface="Times New Roman" panose="02020603050405020304" pitchFamily="18" charset="0"/>
                 <a:cs typeface="Times New Roman" panose="02020603050405020304" pitchFamily="18" charset="0"/>
               </a:rPr>
-              <a:t>4;</a:t>
-            </a:r>
-            <a:r>
-              <a:rPr lang="en-US" altLang="en-US" sz="1800" dirty="0" smtClean="0">
+              <a:t>nhóm</a:t>
+            </a:r>
+            <a:r>
+              <a:rPr lang="en-US" altLang="en-US" sz="1800" i="1" dirty="0">
                 <a:latin typeface="Times New Roman" panose="02020603050405020304" pitchFamily="18" charset="0"/>
                 <a:cs typeface="Times New Roman" panose="02020603050405020304" pitchFamily="18" charset="0"/>
               </a:rPr>
-              <a:t> }</a:t>
+              <a:t> 4;</a:t>
             </a:r>
             <a:r>
               <a:rPr lang="en-US" altLang="en-US" sz="1800" dirty="0">
                 <a:latin typeface="Times New Roman" panose="02020603050405020304" pitchFamily="18" charset="0"/>
                 <a:cs typeface="Times New Roman" panose="02020603050405020304" pitchFamily="18" charset="0"/>
               </a:rPr>
-              <a:t/>
+              <a:t> }</a:t>
             </a:r>
             <a:br>
               <a:rPr lang="en-US" altLang="en-US" sz="1800" dirty="0">
@@ -29092,13 +28560,6 @@
   <p:clrMapOvr>
     <a:masterClrMapping/>
   </p:clrMapOvr>
-  <p:timing>
-    <p:tnLst>
-      <p:par>
-        <p:cTn id="1" dur="indefinite" restart="never" nodeType="tmRoot"/>
-      </p:par>
-    </p:tnLst>
-  </p:timing>
 </p:sld>
 </file>
 
@@ -29136,7 +28597,7 @@
           </a:xfrm>
           <a:extLst>
             <a:ext uri="{FAA26D3D-D897-4be2-8F04-BA451C77F1D7}">
-              <ma14:placeholderFlag xmlns:ma14="http://schemas.microsoft.com/office/mac/drawingml/2011/main" xmlns="" val="1"/>
+              <ma14:placeholderFlag xmlns="" xmlns:ma14="http://schemas.microsoft.com/office/mac/drawingml/2011/main" val="1"/>
             </a:ext>
           </a:extLst>
         </p:spPr>
@@ -29157,13 +28618,8 @@
             </a:r>
             <a:r>
               <a:rPr lang="en-US" altLang="en-US" sz="2700" dirty="0"/>
-              <a:t> </a:t>
-            </a:r>
-            <a:r>
-              <a:rPr lang="en-US" altLang="en-US" sz="2700" dirty="0" smtClean="0"/>
-              <a:t>IF-ELSE-IF</a:t>
-            </a:r>
-            <a:endParaRPr lang="en-US" altLang="en-US" sz="2700" dirty="0"/>
+              <a:t> IF-ELSE-IF</a:t>
+            </a:r>
           </a:p>
         </p:txBody>
       </p:sp>
@@ -29811,13 +29267,6 @@
   <p:clrMapOvr>
     <a:masterClrMapping/>
   </p:clrMapOvr>
-  <p:timing>
-    <p:tnLst>
-      <p:par>
-        <p:cTn id="1" dur="indefinite" restart="never" nodeType="tmRoot"/>
-      </p:par>
-    </p:tnLst>
-  </p:timing>
 </p:sld>
 </file>
 
@@ -29869,12 +29318,8 @@
               </a:lnSpc>
             </a:pPr>
             <a:r>
-              <a:rPr lang="en-US" dirty="0" smtClean="0"/>
-              <a:t>Câu </a:t>
-            </a:r>
-            <a:r>
               <a:rPr lang="en-US" dirty="0"/>
-              <a:t>lệnh SWITCH</a:t>
+              <a:t>Câu lệnh SWITCH</a:t>
             </a:r>
             <a:endParaRPr lang="vi-VN" dirty="0"/>
           </a:p>
@@ -29890,13 +29335,6 @@
   <p:clrMapOvr>
     <a:masterClrMapping/>
   </p:clrMapOvr>
-  <p:timing>
-    <p:tnLst>
-      <p:par>
-        <p:cTn id="1" dur="indefinite" restart="never" nodeType="tmRoot"/>
-      </p:par>
-    </p:tnLst>
-  </p:timing>
 </p:sld>
 </file>
 
@@ -29930,7 +29368,7 @@
         <p:spPr>
           <a:extLst>
             <a:ext uri="{FAA26D3D-D897-4be2-8F04-BA451C77F1D7}">
-              <ma14:placeholderFlag xmlns:ma14="http://schemas.microsoft.com/office/mac/drawingml/2011/main" xmlns="" val="1"/>
+              <ma14:placeholderFlag xmlns="" xmlns:ma14="http://schemas.microsoft.com/office/mac/drawingml/2011/main" val="1"/>
             </a:ext>
           </a:extLst>
         </p:spPr>
@@ -29951,13 +29389,8 @@
             </a:r>
             <a:r>
               <a:rPr lang="en-US" altLang="en-US" sz="2700" dirty="0"/>
-              <a:t> </a:t>
-            </a:r>
-            <a:r>
-              <a:rPr lang="en-US" altLang="en-US" sz="2700" dirty="0" smtClean="0"/>
-              <a:t>SWITCH</a:t>
-            </a:r>
-            <a:endParaRPr lang="en-US" altLang="en-US" sz="2700" dirty="0"/>
+              <a:t> SWITCH</a:t>
+            </a:r>
           </a:p>
         </p:txBody>
       </p:sp>
@@ -30901,13 +30334,6 @@
   <p:clrMapOvr>
     <a:masterClrMapping/>
   </p:clrMapOvr>
-  <p:timing>
-    <p:tnLst>
-      <p:par>
-        <p:cTn id="1" dur="indefinite" restart="never" nodeType="tmRoot"/>
-      </p:par>
-    </p:tnLst>
-  </p:timing>
 </p:sld>
 </file>
 
@@ -30941,7 +30367,7 @@
         <p:spPr>
           <a:extLst>
             <a:ext uri="{FAA26D3D-D897-4be2-8F04-BA451C77F1D7}">
-              <ma14:placeholderFlag xmlns:ma14="http://schemas.microsoft.com/office/mac/drawingml/2011/main" xmlns="" val="1"/>
+              <ma14:placeholderFlag xmlns="" xmlns:ma14="http://schemas.microsoft.com/office/mac/drawingml/2011/main" val="1"/>
             </a:ext>
           </a:extLst>
         </p:spPr>
@@ -30962,13 +30388,8 @@
             </a:r>
             <a:r>
               <a:rPr lang="en-US" altLang="en-US" sz="2700" dirty="0"/>
-              <a:t> </a:t>
-            </a:r>
-            <a:r>
-              <a:rPr lang="en-US" altLang="en-US" sz="2700" dirty="0" smtClean="0"/>
-              <a:t>SWITCH</a:t>
-            </a:r>
-            <a:endParaRPr lang="en-US" altLang="en-US" sz="2700" dirty="0"/>
+              <a:t> SWITCH</a:t>
+            </a:r>
           </a:p>
         </p:txBody>
       </p:sp>
@@ -31013,13 +30434,6 @@
   <p:clrMapOvr>
     <a:masterClrMapping/>
   </p:clrMapOvr>
-  <p:timing>
-    <p:tnLst>
-      <p:par>
-        <p:cTn id="1" dur="indefinite" restart="never" nodeType="tmRoot"/>
-      </p:par>
-    </p:tnLst>
-  </p:timing>
 </p:sld>
 </file>
 
@@ -31053,7 +30467,7 @@
         <p:spPr>
           <a:extLst>
             <a:ext uri="{FAA26D3D-D897-4be2-8F04-BA451C77F1D7}">
-              <ma14:placeholderFlag xmlns:ma14="http://schemas.microsoft.com/office/mac/drawingml/2011/main" xmlns="" val="1"/>
+              <ma14:placeholderFlag xmlns="" xmlns:ma14="http://schemas.microsoft.com/office/mac/drawingml/2011/main" val="1"/>
             </a:ext>
           </a:extLst>
         </p:spPr>
@@ -31066,11 +30480,7 @@
             <a:pPr eaLnBrk="1" hangingPunct="1"/>
             <a:r>
               <a:rPr lang="en-US" altLang="en-US" sz="2700" dirty="0"/>
-              <a:t>CÁC</a:t>
-            </a:r>
-            <a:r>
-              <a:rPr lang="en-US" altLang="en-US" sz="2700" dirty="0"/>
-              <a:t> CÂU LỆNH </a:t>
+              <a:t>CÁC CÂU LỆNH </a:t>
             </a:r>
             <a:r>
               <a:rPr lang="en-US" altLang="en-US" sz="2700" dirty="0" err="1"/>
@@ -31081,7 +30491,7 @@
               <a:t> </a:t>
             </a:r>
             <a:r>
-              <a:rPr lang="en-US" altLang="en-US" sz="2700" dirty="0" err="1" smtClean="0"/>
+              <a:rPr lang="en-US" altLang="en-US" sz="2700" dirty="0" err="1"/>
               <a:t>KIỆN</a:t>
             </a:r>
             <a:endParaRPr lang="en-US" altLang="en-US" sz="2700" dirty="0"/>
@@ -31185,7 +30595,7 @@
         <p:spPr>
           <a:extLst>
             <a:ext uri="{FAA26D3D-D897-4be2-8F04-BA451C77F1D7}">
-              <ma14:placeholderFlag xmlns:ma14="http://schemas.microsoft.com/office/mac/drawingml/2011/main" xmlns="" val="1"/>
+              <ma14:placeholderFlag xmlns="" xmlns:ma14="http://schemas.microsoft.com/office/mac/drawingml/2011/main" val="1"/>
             </a:ext>
           </a:extLst>
         </p:spPr>
@@ -31206,13 +30616,8 @@
             </a:r>
             <a:r>
               <a:rPr lang="en-US" altLang="en-US" sz="2700" dirty="0"/>
-              <a:t> </a:t>
-            </a:r>
-            <a:r>
-              <a:rPr lang="en-US" altLang="en-US" sz="2700" dirty="0" smtClean="0"/>
-              <a:t>SWITCH</a:t>
-            </a:r>
-            <a:endParaRPr lang="en-US" altLang="en-US" sz="2700" dirty="0"/>
+              <a:t> SWITCH</a:t>
+            </a:r>
           </a:p>
         </p:txBody>
       </p:sp>
@@ -31246,7 +30651,7 @@
               </a:spcAft>
             </a:pPr>
             <a:r>
-              <a:rPr lang="en-US" b="1" dirty="0" err="1" smtClean="0">
+              <a:rPr lang="en-US" b="1" dirty="0" err="1">
                 <a:solidFill>
                   <a:srgbClr val="343A40"/>
                 </a:solidFill>
@@ -31257,18 +30662,18 @@
               <a:t>Hoạt</a:t>
             </a:r>
             <a:r>
-              <a:rPr lang="en-US" b="1" dirty="0" smtClean="0">
-                <a:solidFill>
-                  <a:srgbClr val="343A40"/>
-                </a:solidFill>
-                <a:latin typeface="Segoe UI" panose="020B0502040204020203" pitchFamily="34" charset="0"/>
-                <a:ea typeface="Times New Roman" panose="02020603050405020304" pitchFamily="18" charset="0"/>
-                <a:cs typeface="Times New Roman" panose="02020603050405020304" pitchFamily="18" charset="0"/>
-              </a:rPr>
-              <a:t> </a:t>
-            </a:r>
-            <a:r>
-              <a:rPr lang="en-US" b="1" dirty="0" err="1" smtClean="0">
+              <a:rPr lang="en-US" b="1" dirty="0">
+                <a:solidFill>
+                  <a:srgbClr val="343A40"/>
+                </a:solidFill>
+                <a:latin typeface="Segoe UI" panose="020B0502040204020203" pitchFamily="34" charset="0"/>
+                <a:ea typeface="Times New Roman" panose="02020603050405020304" pitchFamily="18" charset="0"/>
+                <a:cs typeface="Times New Roman" panose="02020603050405020304" pitchFamily="18" charset="0"/>
+              </a:rPr>
+              <a:t> </a:t>
+            </a:r>
+            <a:r>
+              <a:rPr lang="en-US" b="1" dirty="0" err="1">
                 <a:solidFill>
                   <a:srgbClr val="343A40"/>
                 </a:solidFill>
@@ -31278,7 +30683,7 @@
               </a:rPr>
               <a:t>động</a:t>
             </a:r>
-            <a:endParaRPr lang="en-US" b="1" dirty="0" smtClean="0">
+            <a:endParaRPr lang="en-US" b="1" dirty="0">
               <a:solidFill>
                 <a:srgbClr val="343A40"/>
               </a:solidFill>
@@ -31297,7 +30702,7 @@
               </a:spcAft>
             </a:pPr>
             <a:r>
-              <a:rPr lang="en-US" b="1" dirty="0" err="1" smtClean="0">
+              <a:rPr lang="en-US" b="1" dirty="0" err="1">
                 <a:solidFill>
                   <a:srgbClr val="343A40"/>
                 </a:solidFill>
@@ -31308,17 +30713,6 @@
               <a:t>Bước</a:t>
             </a:r>
             <a:r>
-              <a:rPr lang="en-US" b="1" dirty="0" smtClean="0">
-                <a:solidFill>
-                  <a:srgbClr val="343A40"/>
-                </a:solidFill>
-                <a:latin typeface="Segoe UI" panose="020B0502040204020203" pitchFamily="34" charset="0"/>
-                <a:ea typeface="Times New Roman" panose="02020603050405020304" pitchFamily="18" charset="0"/>
-                <a:cs typeface="Times New Roman" panose="02020603050405020304" pitchFamily="18" charset="0"/>
-              </a:rPr>
-              <a:t> </a:t>
-            </a:r>
-            <a:r>
               <a:rPr lang="en-US" b="1" dirty="0">
                 <a:solidFill>
                   <a:srgbClr val="343A40"/>
@@ -31327,7 +30721,7 @@
                 <a:ea typeface="Times New Roman" panose="02020603050405020304" pitchFamily="18" charset="0"/>
                 <a:cs typeface="Times New Roman" panose="02020603050405020304" pitchFamily="18" charset="0"/>
               </a:rPr>
-              <a:t>1</a:t>
+              <a:t> 1</a:t>
             </a:r>
             <a:r>
               <a:rPr lang="en-US" dirty="0">
@@ -34614,13 +34008,6 @@
   <p:clrMapOvr>
     <a:masterClrMapping/>
   </p:clrMapOvr>
-  <p:timing>
-    <p:tnLst>
-      <p:par>
-        <p:cTn id="1" dur="indefinite" restart="never" nodeType="tmRoot"/>
-      </p:par>
-    </p:tnLst>
-  </p:timing>
 </p:sld>
 </file>
 
@@ -34654,7 +34041,7 @@
         <p:spPr>
           <a:extLst>
             <a:ext uri="{FAA26D3D-D897-4be2-8F04-BA451C77F1D7}">
-              <ma14:placeholderFlag xmlns:ma14="http://schemas.microsoft.com/office/mac/drawingml/2011/main" xmlns="" val="1"/>
+              <ma14:placeholderFlag xmlns="" xmlns:ma14="http://schemas.microsoft.com/office/mac/drawingml/2011/main" val="1"/>
             </a:ext>
           </a:extLst>
         </p:spPr>
@@ -34675,13 +34062,8 @@
             </a:r>
             <a:r>
               <a:rPr lang="en-US" altLang="en-US" sz="2700" dirty="0"/>
-              <a:t> </a:t>
-            </a:r>
-            <a:r>
-              <a:rPr lang="en-US" altLang="en-US" sz="2700" dirty="0" smtClean="0"/>
-              <a:t>SWITCH</a:t>
-            </a:r>
-            <a:endParaRPr lang="en-US" altLang="en-US" sz="2700" dirty="0"/>
+              <a:t> SWITCH</a:t>
+            </a:r>
           </a:p>
         </p:txBody>
       </p:sp>
@@ -34763,12 +34145,6 @@
               </a:rPr>
               <a:t>)</a:t>
             </a:r>
-            <a:r>
-              <a:rPr lang="en-US" sz="1500" dirty="0">
-                <a:latin typeface="Consolas" panose="020B0609020204030204" pitchFamily="49" charset="0"/>
-              </a:rPr>
-              <a:t/>
-            </a:r>
             <a:br>
               <a:rPr lang="en-US" sz="1500" dirty="0">
                 <a:latin typeface="Consolas" panose="020B0609020204030204" pitchFamily="49" charset="0"/>
@@ -34817,12 +34193,6 @@
               </a:rPr>
               <a:t>	Câu lệnh 1;</a:t>
             </a:r>
-            <a:r>
-              <a:rPr lang="en-US" sz="1500" dirty="0">
-                <a:latin typeface="Consolas" panose="020B0609020204030204" pitchFamily="49" charset="0"/>
-              </a:rPr>
-              <a:t/>
-            </a:r>
             <a:br>
               <a:rPr lang="en-US" sz="1500" dirty="0">
                 <a:latin typeface="Consolas" panose="020B0609020204030204" pitchFamily="49" charset="0"/>
@@ -34884,25 +34254,7 @@
               <a:rPr lang="en-US" sz="1500" dirty="0">
                 <a:latin typeface="Consolas" panose="020B0609020204030204" pitchFamily="49" charset="0"/>
               </a:rPr>
-              <a:t>	Câu </a:t>
-            </a:r>
-            <a:r>
-              <a:rPr lang="en-US" sz="1500" dirty="0">
-                <a:latin typeface="Consolas" panose="020B0609020204030204" pitchFamily="49" charset="0"/>
-              </a:rPr>
-              <a:t>lệnh </a:t>
-            </a:r>
-            <a:r>
-              <a:rPr lang="en-US" sz="1500" dirty="0">
-                <a:latin typeface="Consolas" panose="020B0609020204030204" pitchFamily="49" charset="0"/>
-              </a:rPr>
-              <a:t>2;</a:t>
-            </a:r>
-            <a:r>
-              <a:rPr lang="en-US" sz="1500" dirty="0">
-                <a:latin typeface="Consolas" panose="020B0609020204030204" pitchFamily="49" charset="0"/>
-              </a:rPr>
-              <a:t/>
+              <a:t>	Câu lệnh 2;</a:t>
             </a:r>
             <a:br>
               <a:rPr lang="en-US" sz="1500" dirty="0">
@@ -34938,12 +34290,6 @@
               </a:rPr>
               <a:t>…</a:t>
             </a:r>
-            <a:r>
-              <a:rPr lang="en-US" sz="1500" dirty="0">
-                <a:latin typeface="Consolas" panose="020B0609020204030204" pitchFamily="49" charset="0"/>
-              </a:rPr>
-              <a:t/>
-            </a:r>
             <a:br>
               <a:rPr lang="en-US" sz="1500" dirty="0">
                 <a:latin typeface="Consolas" panose="020B0609020204030204" pitchFamily="49" charset="0"/>
@@ -34979,19 +34325,7 @@
               <a:rPr lang="en-US" sz="1500" dirty="0">
                 <a:latin typeface="Consolas" panose="020B0609020204030204" pitchFamily="49" charset="0"/>
               </a:rPr>
-              <a:t>      Câu </a:t>
-            </a:r>
-            <a:r>
-              <a:rPr lang="en-US" sz="1500" dirty="0">
-                <a:latin typeface="Consolas" panose="020B0609020204030204" pitchFamily="49" charset="0"/>
-              </a:rPr>
-              <a:t>lệnh </a:t>
-            </a:r>
-            <a:r>
-              <a:rPr lang="en-US" sz="1500" dirty="0">
-                <a:latin typeface="Consolas" panose="020B0609020204030204" pitchFamily="49" charset="0"/>
-              </a:rPr>
-              <a:t>n;</a:t>
+              <a:t>      Câu lệnh n;</a:t>
             </a:r>
           </a:p>
           <a:p>
@@ -35064,12 +34398,6 @@
                 <a:latin typeface="Consolas" panose="020B0609020204030204" pitchFamily="49" charset="0"/>
               </a:rPr>
               <a:t>;</a:t>
-            </a:r>
-            <a:r>
-              <a:rPr lang="en-US" sz="1500" dirty="0">
-                <a:latin typeface="Consolas" panose="020B0609020204030204" pitchFamily="49" charset="0"/>
-              </a:rPr>
-              <a:t/>
             </a:r>
             <a:br>
               <a:rPr lang="en-US" sz="1500" dirty="0">
@@ -35149,13 +34477,6 @@
   <p:clrMapOvr>
     <a:masterClrMapping/>
   </p:clrMapOvr>
-  <p:timing>
-    <p:tnLst>
-      <p:par>
-        <p:cTn id="1" dur="indefinite" restart="never" nodeType="tmRoot"/>
-      </p:par>
-    </p:tnLst>
-  </p:timing>
 </p:sld>
 </file>
 
@@ -35189,7 +34510,7 @@
         <p:spPr>
           <a:extLst>
             <a:ext uri="{FAA26D3D-D897-4be2-8F04-BA451C77F1D7}">
-              <ma14:placeholderFlag xmlns:ma14="http://schemas.microsoft.com/office/mac/drawingml/2011/main" xmlns="" val="1"/>
+              <ma14:placeholderFlag xmlns="" xmlns:ma14="http://schemas.microsoft.com/office/mac/drawingml/2011/main" val="1"/>
             </a:ext>
           </a:extLst>
         </p:spPr>
@@ -35210,13 +34531,8 @@
             </a:r>
             <a:r>
               <a:rPr lang="en-US" altLang="en-US" sz="2700" dirty="0"/>
-              <a:t> </a:t>
-            </a:r>
-            <a:r>
-              <a:rPr lang="en-US" altLang="en-US" sz="2700" dirty="0" smtClean="0"/>
-              <a:t>SWITCH</a:t>
-            </a:r>
-            <a:endParaRPr lang="en-US" altLang="en-US" sz="2700" dirty="0"/>
+              <a:t> SWITCH</a:t>
+            </a:r>
           </a:p>
         </p:txBody>
       </p:sp>
@@ -38013,13 +37329,6 @@
   <p:clrMapOvr>
     <a:masterClrMapping/>
   </p:clrMapOvr>
-  <p:timing>
-    <p:tnLst>
-      <p:par>
-        <p:cTn id="1" dur="indefinite" restart="never" nodeType="tmRoot"/>
-      </p:par>
-    </p:tnLst>
-  </p:timing>
 </p:sld>
 </file>
 
@@ -38053,7 +37362,7 @@
         <p:spPr>
           <a:extLst>
             <a:ext uri="{FAA26D3D-D897-4be2-8F04-BA451C77F1D7}">
-              <ma14:placeholderFlag xmlns:ma14="http://schemas.microsoft.com/office/mac/drawingml/2011/main" xmlns="" val="1"/>
+              <ma14:placeholderFlag xmlns="" xmlns:ma14="http://schemas.microsoft.com/office/mac/drawingml/2011/main" val="1"/>
             </a:ext>
           </a:extLst>
         </p:spPr>
@@ -38149,7 +37458,7 @@
         <p:spPr>
           <a:extLst>
             <a:ext uri="{FAA26D3D-D897-4be2-8F04-BA451C77F1D7}">
-              <ma14:placeholderFlag xmlns:ma14="http://schemas.microsoft.com/office/mac/drawingml/2011/main" xmlns="" val="1"/>
+              <ma14:placeholderFlag xmlns="" xmlns:ma14="http://schemas.microsoft.com/office/mac/drawingml/2011/main" val="1"/>
             </a:ext>
           </a:extLst>
         </p:spPr>
@@ -38405,27 +37714,27 @@
               <a:buChar char="●"/>
             </a:pPr>
             <a:r>
-              <a:rPr lang="en-US" dirty="0" err="1" smtClean="0"/>
+              <a:rPr lang="en-US" dirty="0" err="1"/>
               <a:t>Các</a:t>
             </a:r>
             <a:r>
-              <a:rPr lang="en-US" dirty="0" smtClean="0"/>
-              <a:t> </a:t>
-            </a:r>
-            <a:r>
-              <a:rPr lang="en-US" dirty="0" err="1" smtClean="0"/>
+              <a:rPr lang="en-US" dirty="0"/>
+              <a:t> </a:t>
+            </a:r>
+            <a:r>
+              <a:rPr lang="en-US" dirty="0" err="1"/>
               <a:t>dạng</a:t>
             </a:r>
             <a:r>
-              <a:rPr lang="en-US" dirty="0" smtClean="0"/>
-              <a:t> </a:t>
-            </a:r>
-            <a:r>
-              <a:rPr lang="en-US" dirty="0" err="1" smtClean="0"/>
+              <a:rPr lang="en-US" dirty="0"/>
+              <a:t> </a:t>
+            </a:r>
+            <a:r>
+              <a:rPr lang="en-US" dirty="0" err="1"/>
               <a:t>câu</a:t>
             </a:r>
             <a:r>
-              <a:rPr lang="en-US" dirty="0" smtClean="0"/>
+              <a:rPr lang="en-US" dirty="0"/>
               <a:t> lệnh IF</a:t>
             </a:r>
             <a:endParaRPr dirty="0"/>
@@ -38433,22 +37742,118 @@
           <a:p>
             <a:pPr lvl="0"/>
             <a:r>
-              <a:rPr lang="en-US" dirty="0" smtClean="0"/>
-              <a:t>Câu </a:t>
-            </a:r>
-            <a:r>
               <a:rPr lang="en-US" dirty="0"/>
-              <a:t>lệnh </a:t>
-            </a:r>
-            <a:r>
-              <a:rPr lang="en-US" dirty="0" smtClean="0"/>
-              <a:t>SWITCH</a:t>
+              <a:t>Câu lệnh SWITCH</a:t>
             </a:r>
             <a:endParaRPr dirty="0"/>
           </a:p>
         </p:txBody>
       </p:sp>
     </p:spTree>
+  </p:cSld>
+  <p:clrMapOvr>
+    <a:masterClrMapping/>
+  </p:clrMapOvr>
+</p:sld>
+</file>
+
+<file path=ppt/slides/slide36.xml><?xml version="1.0" encoding="utf-8"?>
+<p:sld xmlns:a="http://schemas.openxmlformats.org/drawingml/2006/main" xmlns:r="http://schemas.openxmlformats.org/officeDocument/2006/relationships" xmlns:p="http://schemas.openxmlformats.org/presentationml/2006/main">
+  <p:cSld>
+    <p:spTree>
+      <p:nvGrpSpPr>
+        <p:cNvPr id="1" name=""/>
+        <p:cNvGrpSpPr/>
+        <p:nvPr/>
+      </p:nvGrpSpPr>
+      <p:grpSpPr>
+        <a:xfrm>
+          <a:off x="0" y="0"/>
+          <a:ext cx="0" cy="0"/>
+          <a:chOff x="0" y="0"/>
+          <a:chExt cx="0" cy="0"/>
+        </a:xfrm>
+      </p:grpSpPr>
+      <p:sp>
+        <p:nvSpPr>
+          <p:cNvPr id="2" name="Title 1">
+            <a:extLst>
+              <a:ext uri="{FF2B5EF4-FFF2-40B4-BE49-F238E27FC236}">
+                <a16:creationId xmlns:a16="http://schemas.microsoft.com/office/drawing/2014/main" id="{CF6D12E1-FBF4-CDF1-B80D-910C581441FA}"/>
+              </a:ext>
+            </a:extLst>
+          </p:cNvPr>
+          <p:cNvSpPr>
+            <a:spLocks noGrp="1"/>
+          </p:cNvSpPr>
+          <p:nvPr>
+            <p:ph type="title"/>
+          </p:nvPr>
+        </p:nvSpPr>
+        <p:spPr/>
+        <p:txBody>
+          <a:bodyPr>
+            <a:normAutofit fontScale="90000"/>
+          </a:bodyPr>
+          <a:lstStyle/>
+          <a:p>
+            <a:endParaRPr lang="en-US"/>
+          </a:p>
+        </p:txBody>
+      </p:sp>
+      <p:pic>
+        <p:nvPicPr>
+          <p:cNvPr id="2050" name="Picture 2">
+            <a:extLst>
+              <a:ext uri="{FF2B5EF4-FFF2-40B4-BE49-F238E27FC236}">
+                <a16:creationId xmlns:a16="http://schemas.microsoft.com/office/drawing/2014/main" id="{DEF02AC6-78FC-B7BC-B1CC-891990A6FE59}"/>
+              </a:ext>
+            </a:extLst>
+          </p:cNvPr>
+          <p:cNvPicPr>
+            <a:picLocks noChangeAspect="1" noChangeArrowheads="1"/>
+          </p:cNvPicPr>
+          <p:nvPr/>
+        </p:nvPicPr>
+        <p:blipFill>
+          <a:blip r:embed="rId2">
+            <a:extLst>
+              <a:ext uri="{28A0092B-C50C-407E-A947-70E740481C1C}">
+                <a14:useLocalDpi xmlns:a14="http://schemas.microsoft.com/office/drawing/2010/main" val="0"/>
+              </a:ext>
+            </a:extLst>
+          </a:blip>
+          <a:srcRect/>
+          <a:stretch>
+            <a:fillRect/>
+          </a:stretch>
+        </p:blipFill>
+        <p:spPr bwMode="auto">
+          <a:xfrm>
+            <a:off x="0" y="0"/>
+            <a:ext cx="9144000" cy="5143500"/>
+          </a:xfrm>
+          <a:prstGeom prst="rect">
+            <a:avLst/>
+          </a:prstGeom>
+          <a:noFill/>
+          <a:extLst>
+            <a:ext uri="{909E8E84-426E-40DD-AFC4-6F175D3DCCD1}">
+              <a14:hiddenFill xmlns:a14="http://schemas.microsoft.com/office/drawing/2010/main">
+                <a:solidFill>
+                  <a:srgbClr val="FFFFFF"/>
+                </a:solidFill>
+              </a14:hiddenFill>
+            </a:ext>
+          </a:extLst>
+        </p:spPr>
+      </p:pic>
+    </p:spTree>
+    <p:extLst>
+      <p:ext uri="{BB962C8B-B14F-4D97-AF65-F5344CB8AC3E}">
+        <p14:creationId xmlns:p14="http://schemas.microsoft.com/office/powerpoint/2010/main" val="1171021255"/>
+      </p:ext>
+    </p:extLst>
   </p:cSld>
   <p:clrMapOvr>
     <a:masterClrMapping/>
@@ -38504,7 +37909,7 @@
               </a:lnSpc>
             </a:pPr>
             <a:r>
-              <a:rPr lang="en-US" dirty="0" smtClean="0"/>
+              <a:rPr lang="en-US" dirty="0"/>
               <a:t>Câu lệnh IF</a:t>
             </a:r>
             <a:endParaRPr lang="vi-VN" dirty="0"/>
@@ -38521,13 +37926,6 @@
   <p:clrMapOvr>
     <a:masterClrMapping/>
   </p:clrMapOvr>
-  <p:timing>
-    <p:tnLst>
-      <p:par>
-        <p:cTn id="1" dur="indefinite" restart="never" nodeType="tmRoot"/>
-      </p:par>
-    </p:tnLst>
-  </p:timing>
 </p:sld>
 </file>
 
@@ -38561,7 +37959,7 @@
         <p:spPr>
           <a:extLst>
             <a:ext uri="{FAA26D3D-D897-4be2-8F04-BA451C77F1D7}">
-              <ma14:placeholderFlag xmlns:ma14="http://schemas.microsoft.com/office/mac/drawingml/2011/main" xmlns="" val="1"/>
+              <ma14:placeholderFlag xmlns="" xmlns:ma14="http://schemas.microsoft.com/office/mac/drawingml/2011/main" val="1"/>
             </a:ext>
           </a:extLst>
         </p:spPr>
@@ -38582,13 +37980,8 @@
             </a:r>
             <a:r>
               <a:rPr lang="en-US" altLang="en-US" sz="2700" dirty="0"/>
-              <a:t> </a:t>
-            </a:r>
-            <a:r>
-              <a:rPr lang="en-US" altLang="en-US" sz="2700" dirty="0" smtClean="0"/>
-              <a:t>IF </a:t>
-            </a:r>
-            <a:endParaRPr lang="en-US" altLang="en-US" sz="2700" dirty="0"/>
+              <a:t> IF </a:t>
+            </a:r>
           </a:p>
         </p:txBody>
       </p:sp>
@@ -38630,12 +38023,8 @@
               </a:lnSpc>
             </a:pPr>
             <a:r>
-              <a:rPr lang="vi-VN" sz="1800" dirty="0" smtClean="0"/>
-              <a:t>- </a:t>
-            </a:r>
-            <a:r>
               <a:rPr lang="vi-VN" sz="1800" dirty="0"/>
-              <a:t>Chỉ thực thi một đoạn mã nhất định nếu điều kiện là đúng.</a:t>
+              <a:t>- Chỉ thực thi một đoạn mã nhất định nếu điều kiện là đúng.</a:t>
             </a:r>
           </a:p>
           <a:p>
@@ -38720,7 +38109,7 @@
         <p:spPr>
           <a:extLst>
             <a:ext uri="{FAA26D3D-D897-4be2-8F04-BA451C77F1D7}">
-              <ma14:placeholderFlag xmlns:ma14="http://schemas.microsoft.com/office/mac/drawingml/2011/main" xmlns="" val="1"/>
+              <ma14:placeholderFlag xmlns="" xmlns:ma14="http://schemas.microsoft.com/office/mac/drawingml/2011/main" val="1"/>
             </a:ext>
           </a:extLst>
         </p:spPr>
@@ -38741,13 +38130,8 @@
             </a:r>
             <a:r>
               <a:rPr lang="en-US" altLang="en-US" sz="2700" dirty="0"/>
-              <a:t> </a:t>
-            </a:r>
-            <a:r>
-              <a:rPr lang="en-US" altLang="en-US" sz="2700" dirty="0" smtClean="0"/>
-              <a:t>IF </a:t>
-            </a:r>
-            <a:endParaRPr lang="en-US" altLang="en-US" sz="2700" dirty="0"/>
+              <a:t> IF </a:t>
+            </a:r>
           </a:p>
         </p:txBody>
       </p:sp>
@@ -38789,18 +38173,14 @@
               </a:lnSpc>
             </a:pPr>
             <a:r>
-              <a:rPr lang="en-US" sz="1800" dirty="0" smtClean="0"/>
+              <a:rPr lang="en-US" sz="1800" dirty="0"/>
               <a:t>- Đ</a:t>
             </a:r>
             <a:r>
-              <a:rPr lang="vi-VN" sz="1800" dirty="0" smtClean="0"/>
-              <a:t>ược </a:t>
-            </a:r>
-            <a:r>
               <a:rPr lang="vi-VN" sz="1800" dirty="0"/>
-              <a:t>sử dụng để kiểm soát một số điều kiện khác nhau trong chương trình. </a:t>
-            </a:r>
-            <a:endParaRPr lang="en-US" sz="1800" dirty="0" smtClean="0"/>
+              <a:t>ược sử dụng để kiểm soát một số điều kiện khác nhau trong chương trình. </a:t>
+            </a:r>
+            <a:endParaRPr lang="en-US" sz="1800" dirty="0"/>
           </a:p>
           <a:p>
             <a:pPr algn="just">
@@ -38809,22 +38189,13 @@
               </a:lnSpc>
             </a:pPr>
             <a:r>
-              <a:rPr lang="en-US" sz="1800" dirty="0" smtClean="0"/>
+              <a:rPr lang="en-US" sz="1800" dirty="0"/>
               <a:t>- </a:t>
             </a:r>
             <a:r>
-              <a:rPr lang="vi-VN" sz="1800" dirty="0" smtClean="0"/>
-              <a:t>Câu </a:t>
-            </a:r>
-            <a:r>
               <a:rPr lang="vi-VN" sz="1800" dirty="0"/>
-              <a:t>lệnh if chỉ kiểm tra điều kiện một </a:t>
-            </a:r>
-            <a:r>
-              <a:rPr lang="vi-VN" sz="1800" dirty="0" smtClean="0"/>
-              <a:t>lần</a:t>
-            </a:r>
-            <a:endParaRPr lang="vi-VN" sz="1800" dirty="0"/>
+              <a:t>Câu lệnh if chỉ kiểm tra điều kiện một lần</a:t>
+            </a:r>
           </a:p>
         </p:txBody>
       </p:sp>
@@ -38871,7 +38242,7 @@
         <p:spPr>
           <a:extLst>
             <a:ext uri="{FAA26D3D-D897-4be2-8F04-BA451C77F1D7}">
-              <ma14:placeholderFlag xmlns:ma14="http://schemas.microsoft.com/office/mac/drawingml/2011/main" xmlns="" val="1"/>
+              <ma14:placeholderFlag xmlns="" xmlns:ma14="http://schemas.microsoft.com/office/mac/drawingml/2011/main" val="1"/>
             </a:ext>
           </a:extLst>
         </p:spPr>
@@ -38892,13 +38263,8 @@
             </a:r>
             <a:r>
               <a:rPr lang="en-US" altLang="en-US" sz="2700" dirty="0"/>
-              <a:t> </a:t>
-            </a:r>
-            <a:r>
-              <a:rPr lang="en-US" altLang="en-US" sz="2700" dirty="0" smtClean="0"/>
-              <a:t>IF </a:t>
-            </a:r>
-            <a:endParaRPr lang="en-US" altLang="en-US" sz="2700" dirty="0"/>
+              <a:t> IF </a:t>
+            </a:r>
           </a:p>
         </p:txBody>
       </p:sp>
@@ -39474,11 +38840,7 @@
             </p:cxnSp>
             <p:sp>
               <p:nvSpPr>
-                <p:cNvPr id="60428" name="Text Box 13">
-                  <a:extLst>
-                    <a:ext uri="{FF2B5EF4-FFF2-40B4-BE49-F238E27FC236}"/>
-                  </a:extLst>
-                </p:cNvPr>
+                <p:cNvPr id="60428" name="Text Box 13"/>
                 <p:cNvSpPr txBox="1">
                   <a:spLocks noChangeArrowheads="1"/>
                 </p:cNvSpPr>
@@ -40158,11 +39520,7 @@
             </p:cxnSp>
             <p:sp>
               <p:nvSpPr>
-                <p:cNvPr id="60435" name="Text Box 20">
-                  <a:extLst>
-                    <a:ext uri="{FF2B5EF4-FFF2-40B4-BE49-F238E27FC236}"/>
-                  </a:extLst>
-                </p:cNvPr>
+                <p:cNvPr id="60435" name="Text Box 20"/>
                 <p:cNvSpPr txBox="1">
                   <a:spLocks noChangeArrowheads="1"/>
                 </p:cNvSpPr>
@@ -40821,7 +40179,7 @@
               <a:t> </a:t>
             </a:r>
             <a:r>
-              <a:rPr lang="en-US" sz="1600" dirty="0" err="1" smtClean="0">
+              <a:rPr lang="en-US" sz="1600" dirty="0" err="1">
                 <a:solidFill>
                   <a:srgbClr val="343A40"/>
                 </a:solidFill>
@@ -40832,18 +40190,18 @@
               <a:t>Biểu</a:t>
             </a:r>
             <a:r>
-              <a:rPr lang="en-US" sz="1600" dirty="0" smtClean="0">
-                <a:solidFill>
-                  <a:srgbClr val="343A40"/>
-                </a:solidFill>
-                <a:latin typeface="Segoe UI" panose="020B0502040204020203" pitchFamily="34" charset="0"/>
-                <a:ea typeface="Times New Roman" panose="02020603050405020304" pitchFamily="18" charset="0"/>
-                <a:cs typeface="Times New Roman" panose="02020603050405020304" pitchFamily="18" charset="0"/>
-              </a:rPr>
-              <a:t> </a:t>
-            </a:r>
-            <a:r>
-              <a:rPr lang="en-US" sz="1600" dirty="0" err="1" smtClean="0">
+              <a:rPr lang="en-US" sz="1600" dirty="0">
+                <a:solidFill>
+                  <a:srgbClr val="343A40"/>
+                </a:solidFill>
+                <a:latin typeface="Segoe UI" panose="020B0502040204020203" pitchFamily="34" charset="0"/>
+                <a:ea typeface="Times New Roman" panose="02020603050405020304" pitchFamily="18" charset="0"/>
+                <a:cs typeface="Times New Roman" panose="02020603050405020304" pitchFamily="18" charset="0"/>
+              </a:rPr>
+              <a:t> </a:t>
+            </a:r>
+            <a:r>
+              <a:rPr lang="en-US" sz="1600" dirty="0" err="1">
                 <a:solidFill>
                   <a:srgbClr val="343A40"/>
                 </a:solidFill>
@@ -40854,18 +40212,18 @@
               <a:t>thức</a:t>
             </a:r>
             <a:r>
-              <a:rPr lang="en-US" sz="1600" dirty="0" smtClean="0">
-                <a:solidFill>
-                  <a:srgbClr val="343A40"/>
-                </a:solidFill>
-                <a:latin typeface="Segoe UI" panose="020B0502040204020203" pitchFamily="34" charset="0"/>
-                <a:ea typeface="Times New Roman" panose="02020603050405020304" pitchFamily="18" charset="0"/>
-                <a:cs typeface="Times New Roman" panose="02020603050405020304" pitchFamily="18" charset="0"/>
-              </a:rPr>
-              <a:t> </a:t>
-            </a:r>
-            <a:r>
-              <a:rPr lang="en-US" sz="1600" dirty="0" err="1" smtClean="0">
+              <a:rPr lang="en-US" sz="1600" dirty="0">
+                <a:solidFill>
+                  <a:srgbClr val="343A40"/>
+                </a:solidFill>
+                <a:latin typeface="Segoe UI" panose="020B0502040204020203" pitchFamily="34" charset="0"/>
+                <a:ea typeface="Times New Roman" panose="02020603050405020304" pitchFamily="18" charset="0"/>
+                <a:cs typeface="Times New Roman" panose="02020603050405020304" pitchFamily="18" charset="0"/>
+              </a:rPr>
+              <a:t> </a:t>
+            </a:r>
+            <a:r>
+              <a:rPr lang="en-US" sz="1600" dirty="0" err="1">
                 <a:solidFill>
                   <a:srgbClr val="343A40"/>
                 </a:solidFill>
@@ -40876,7 +40234,7 @@
               <a:t>điều</a:t>
             </a:r>
             <a:r>
-              <a:rPr lang="en-US" sz="1600" dirty="0" smtClean="0">
+              <a:rPr lang="en-US" sz="1600" dirty="0">
                 <a:solidFill>
                   <a:srgbClr val="343A40"/>
                 </a:solidFill>
@@ -41937,7 +41295,7 @@
         <p:spPr>
           <a:extLst>
             <a:ext uri="{FAA26D3D-D897-4be2-8F04-BA451C77F1D7}">
-              <ma14:placeholderFlag xmlns:ma14="http://schemas.microsoft.com/office/mac/drawingml/2011/main" xmlns="" val="1"/>
+              <ma14:placeholderFlag xmlns="" xmlns:ma14="http://schemas.microsoft.com/office/mac/drawingml/2011/main" val="1"/>
             </a:ext>
           </a:extLst>
         </p:spPr>
@@ -41958,13 +41316,8 @@
             </a:r>
             <a:r>
               <a:rPr lang="en-US" altLang="en-US" sz="2700" dirty="0"/>
-              <a:t> </a:t>
-            </a:r>
-            <a:r>
-              <a:rPr lang="en-US" altLang="en-US" sz="2700" dirty="0" smtClean="0"/>
-              <a:t>IF </a:t>
-            </a:r>
-            <a:endParaRPr lang="en-US" altLang="en-US" sz="2700" dirty="0"/>
+              <a:t> IF </a:t>
+            </a:r>
           </a:p>
         </p:txBody>
       </p:sp>
@@ -42257,21 +41610,7 @@
                 <a:latin typeface="Times New Roman" panose="02020603050405020304" pitchFamily="18" charset="0"/>
                 <a:cs typeface="Times New Roman" panose="02020603050405020304" pitchFamily="18" charset="0"/>
               </a:rPr>
-              <a:t>{</a:t>
-            </a:r>
-            <a:r>
-              <a:rPr lang="en-US" altLang="en-US" sz="1800" dirty="0">
-                <a:latin typeface="Times New Roman" panose="02020603050405020304" pitchFamily="18" charset="0"/>
-                <a:cs typeface="Times New Roman" panose="02020603050405020304" pitchFamily="18" charset="0"/>
-              </a:rPr>
-              <a:t> </a:t>
-            </a:r>
-            <a:r>
-              <a:rPr lang="en-US" altLang="en-US" sz="1800" dirty="0">
-                <a:latin typeface="Times New Roman" panose="02020603050405020304" pitchFamily="18" charset="0"/>
-                <a:cs typeface="Times New Roman" panose="02020603050405020304" pitchFamily="18" charset="0"/>
-              </a:rPr>
-              <a:t/>
+              <a:t>{ </a:t>
             </a:r>
             <a:br>
               <a:rPr lang="en-US" altLang="en-US" sz="1800" dirty="0">
@@ -42320,13 +41659,6 @@
                 <a:cs typeface="Times New Roman" panose="02020603050405020304" pitchFamily="18" charset="0"/>
               </a:rPr>
               <a:t> </a:t>
-            </a:r>
-            <a:r>
-              <a:rPr lang="en-US" altLang="en-US" sz="1800" dirty="0">
-                <a:latin typeface="Times New Roman" panose="02020603050405020304" pitchFamily="18" charset="0"/>
-                <a:cs typeface="Times New Roman" panose="02020603050405020304" pitchFamily="18" charset="0"/>
-              </a:rPr>
-              <a:t/>
             </a:r>
             <a:br>
               <a:rPr lang="en-US" altLang="en-US" sz="1800" dirty="0">
@@ -42569,7 +41901,7 @@
               </a:lnSpc>
             </a:pPr>
             <a:r>
-              <a:rPr lang="en-US" altLang="en-US" sz="1800" b="1" i="1" dirty="0" err="1" smtClean="0">
+              <a:rPr lang="en-US" altLang="en-US" sz="1800" b="1" i="1" dirty="0" err="1">
                 <a:solidFill>
                   <a:srgbClr val="0000FF"/>
                 </a:solidFill>
@@ -42579,7 +41911,7 @@
               <a:t>Các</a:t>
             </a:r>
             <a:r>
-              <a:rPr lang="en-US" altLang="en-US" sz="1800" b="1" i="1" dirty="0" smtClean="0">
+              <a:rPr lang="en-US" altLang="en-US" sz="1800" b="1" i="1" dirty="0">
                 <a:solidFill>
                   <a:srgbClr val="0000FF"/>
                 </a:solidFill>
@@ -42606,17 +41938,7 @@
                 <a:latin typeface="Times New Roman" panose="02020603050405020304" pitchFamily="18" charset="0"/>
                 <a:cs typeface="Times New Roman" panose="02020603050405020304" pitchFamily="18" charset="0"/>
               </a:rPr>
-              <a:t> </a:t>
-            </a:r>
-            <a:r>
-              <a:rPr lang="en-US" altLang="en-US" sz="1800" b="1" i="1" dirty="0">
-                <a:solidFill>
-                  <a:srgbClr val="0000FF"/>
-                </a:solidFill>
-                <a:latin typeface="Times New Roman" panose="02020603050405020304" pitchFamily="18" charset="0"/>
-                <a:cs typeface="Times New Roman" panose="02020603050405020304" pitchFamily="18" charset="0"/>
-              </a:rPr>
-              <a:t>lệnh</a:t>
+              <a:t> lệnh</a:t>
             </a:r>
             <a:r>
               <a:rPr lang="en-US" sz="1800" dirty="0"/>
@@ -42831,7 +42153,7 @@
         <p:spPr>
           <a:extLst>
             <a:ext uri="{FAA26D3D-D897-4be2-8F04-BA451C77F1D7}">
-              <ma14:placeholderFlag xmlns:ma14="http://schemas.microsoft.com/office/mac/drawingml/2011/main" xmlns="" val="1"/>
+              <ma14:placeholderFlag xmlns="" xmlns:ma14="http://schemas.microsoft.com/office/mac/drawingml/2011/main" val="1"/>
             </a:ext>
           </a:extLst>
         </p:spPr>
@@ -42852,13 +42174,8 @@
             </a:r>
             <a:r>
               <a:rPr lang="en-US" altLang="en-US" sz="2700" dirty="0"/>
-              <a:t> </a:t>
-            </a:r>
-            <a:r>
-              <a:rPr lang="en-US" altLang="en-US" sz="2700" dirty="0" smtClean="0"/>
-              <a:t>IF </a:t>
-            </a:r>
-            <a:endParaRPr lang="en-US" altLang="en-US" sz="2700" dirty="0"/>
+              <a:t> IF </a:t>
+            </a:r>
           </a:p>
         </p:txBody>
       </p:sp>
@@ -42892,7 +42209,7 @@
               </a:spcAft>
             </a:pPr>
             <a:r>
-              <a:rPr lang="en-US" sz="1600" b="1" dirty="0" err="1" smtClean="0">
+              <a:rPr lang="en-US" sz="1600" b="1" dirty="0" err="1">
                 <a:solidFill>
                   <a:srgbClr val="343A40"/>
                 </a:solidFill>
@@ -42903,7 +42220,7 @@
               <a:t>Chú</a:t>
             </a:r>
             <a:r>
-              <a:rPr lang="en-US" sz="1600" b="1" dirty="0" smtClean="0">
+              <a:rPr lang="en-US" sz="1600" b="1" dirty="0">
                 <a:solidFill>
                   <a:srgbClr val="343A40"/>
                 </a:solidFill>
@@ -42924,7 +42241,7 @@
               </a:spcAft>
             </a:pPr>
             <a:r>
-              <a:rPr lang="en-US" dirty="0" smtClean="0">
+              <a:rPr lang="en-US" dirty="0">
                 <a:solidFill>
                   <a:srgbClr val="343A40"/>
                 </a:solidFill>
@@ -43265,7 +42582,7 @@
               <a:t> </a:t>
             </a:r>
             <a:r>
-              <a:rPr lang="en-US" dirty="0" err="1" smtClean="0">
+              <a:rPr lang="en-US" dirty="0" err="1">
                 <a:solidFill>
                   <a:srgbClr val="343A40"/>
                 </a:solidFill>
@@ -43276,7 +42593,7 @@
               <a:t>dấu</a:t>
             </a:r>
             <a:r>
-              <a:rPr lang="en-US" dirty="0" smtClean="0">
+              <a:rPr lang="en-US" dirty="0">
                 <a:solidFill>
                   <a:srgbClr val="343A40"/>
                 </a:solidFill>
@@ -43328,18 +42645,7 @@
                 <a:ea typeface="Times New Roman" panose="02020603050405020304" pitchFamily="18" charset="0"/>
                 <a:cs typeface="Times New Roman" panose="02020603050405020304" pitchFamily="18" charset="0"/>
               </a:rPr>
-              <a:t> </a:t>
-            </a:r>
-            <a:r>
-              <a:rPr lang="en-US" dirty="0" smtClean="0">
-                <a:solidFill>
-                  <a:srgbClr val="343A40"/>
-                </a:solidFill>
-                <a:latin typeface="Segoe UI" panose="020B0502040204020203" pitchFamily="34" charset="0"/>
-                <a:ea typeface="Times New Roman" panose="02020603050405020304" pitchFamily="18" charset="0"/>
-                <a:cs typeface="Times New Roman" panose="02020603050405020304" pitchFamily="18" charset="0"/>
-              </a:rPr>
-              <a:t>{ }</a:t>
+              <a:t> { }</a:t>
             </a:r>
             <a:endParaRPr lang="en-US" sz="1200" dirty="0">
               <a:latin typeface="Calibri" panose="020F0502020204030204" pitchFamily="34" charset="0"/>
